--- a/Presentation1.pptx
+++ b/Presentation1.pptx
@@ -7,12 +7,17 @@
   <p:sldIdLst>
     <p:sldId id="256" r:id="rId2"/>
     <p:sldId id="257" r:id="rId3"/>
-    <p:sldId id="263" r:id="rId4"/>
-    <p:sldId id="258" r:id="rId5"/>
-    <p:sldId id="259" r:id="rId6"/>
-    <p:sldId id="260" r:id="rId7"/>
-    <p:sldId id="261" r:id="rId8"/>
-    <p:sldId id="262" r:id="rId9"/>
+    <p:sldId id="264" r:id="rId4"/>
+    <p:sldId id="265" r:id="rId5"/>
+    <p:sldId id="263" r:id="rId6"/>
+    <p:sldId id="258" r:id="rId7"/>
+    <p:sldId id="259" r:id="rId8"/>
+    <p:sldId id="260" r:id="rId9"/>
+    <p:sldId id="266" r:id="rId10"/>
+    <p:sldId id="267" r:id="rId11"/>
+    <p:sldId id="261" r:id="rId12"/>
+    <p:sldId id="268" r:id="rId13"/>
+    <p:sldId id="262" r:id="rId14"/>
   </p:sldIdLst>
   <p:sldSz cx="12192000" cy="6858000"/>
   <p:notesSz cx="6858000" cy="9144000"/>
@@ -111,6 +116,11 @@
       </a:defRPr>
     </a:lvl9pPr>
   </p:defaultTextStyle>
+  <p:extLst>
+    <p:ext uri="{EFAFB233-063F-42B5-8137-9DF3F51BA10A}">
+      <p15:sldGuideLst xmlns:p15="http://schemas.microsoft.com/office/powerpoint/2012/main"/>
+    </p:ext>
+  </p:extLst>
 </p:presentation>
 </file>
 
@@ -7978,7 +7988,7 @@
           <a:p>
             <a:fld id="{DFB05345-684B-FE4D-BD5E-296A78E92205}" type="datetimeFigureOut">
               <a:rPr lang="en-US" smtClean="0"/>
-              <a:t>11/18/24</a:t>
+              <a:t>12/9/24</a:t>
             </a:fld>
             <a:endParaRPr lang="en-US"/>
           </a:p>
@@ -8253,7 +8263,7 @@
           <a:p>
             <a:fld id="{DFB05345-684B-FE4D-BD5E-296A78E92205}" type="datetimeFigureOut">
               <a:rPr lang="en-US" smtClean="0"/>
-              <a:t>11/18/24</a:t>
+              <a:t>12/9/24</a:t>
             </a:fld>
             <a:endParaRPr lang="en-US"/>
           </a:p>
@@ -8447,7 +8457,7 @@
           <a:p>
             <a:fld id="{DFB05345-684B-FE4D-BD5E-296A78E92205}" type="datetimeFigureOut">
               <a:rPr lang="en-US" smtClean="0"/>
-              <a:t>11/18/24</a:t>
+              <a:t>12/9/24</a:t>
             </a:fld>
             <a:endParaRPr lang="en-US"/>
           </a:p>
@@ -8720,7 +8730,7 @@
           <a:p>
             <a:fld id="{DFB05345-684B-FE4D-BD5E-296A78E92205}" type="datetimeFigureOut">
               <a:rPr lang="en-US" smtClean="0"/>
-              <a:t>11/18/24</a:t>
+              <a:t>12/9/24</a:t>
             </a:fld>
             <a:endParaRPr lang="en-US"/>
           </a:p>
@@ -9061,7 +9071,7 @@
           <a:p>
             <a:fld id="{DFB05345-684B-FE4D-BD5E-296A78E92205}" type="datetimeFigureOut">
               <a:rPr lang="en-US" smtClean="0"/>
-              <a:t>11/18/24</a:t>
+              <a:t>12/9/24</a:t>
             </a:fld>
             <a:endParaRPr lang="en-US"/>
           </a:p>
@@ -9684,7 +9694,7 @@
           <a:p>
             <a:fld id="{DFB05345-684B-FE4D-BD5E-296A78E92205}" type="datetimeFigureOut">
               <a:rPr lang="en-US" smtClean="0"/>
-              <a:t>11/18/24</a:t>
+              <a:t>12/9/24</a:t>
             </a:fld>
             <a:endParaRPr lang="en-US"/>
           </a:p>
@@ -10544,7 +10554,7 @@
           <a:p>
             <a:fld id="{DFB05345-684B-FE4D-BD5E-296A78E92205}" type="datetimeFigureOut">
               <a:rPr lang="en-US" smtClean="0"/>
-              <a:t>11/18/24</a:t>
+              <a:t>12/9/24</a:t>
             </a:fld>
             <a:endParaRPr lang="en-US"/>
           </a:p>
@@ -10714,7 +10724,7 @@
           <a:p>
             <a:fld id="{DFB05345-684B-FE4D-BD5E-296A78E92205}" type="datetimeFigureOut">
               <a:rPr lang="en-US" smtClean="0"/>
-              <a:t>11/18/24</a:t>
+              <a:t>12/9/24</a:t>
             </a:fld>
             <a:endParaRPr lang="en-US"/>
           </a:p>
@@ -10894,7 +10904,7 @@
           <a:p>
             <a:fld id="{DFB05345-684B-FE4D-BD5E-296A78E92205}" type="datetimeFigureOut">
               <a:rPr lang="en-US" smtClean="0"/>
-              <a:t>11/18/24</a:t>
+              <a:t>12/9/24</a:t>
             </a:fld>
             <a:endParaRPr lang="en-US"/>
           </a:p>
@@ -11064,7 +11074,7 @@
           <a:p>
             <a:fld id="{DFB05345-684B-FE4D-BD5E-296A78E92205}" type="datetimeFigureOut">
               <a:rPr lang="en-US" smtClean="0"/>
-              <a:t>11/18/24</a:t>
+              <a:t>12/9/24</a:t>
             </a:fld>
             <a:endParaRPr lang="en-US"/>
           </a:p>
@@ -11311,7 +11321,7 @@
           <a:p>
             <a:fld id="{DFB05345-684B-FE4D-BD5E-296A78E92205}" type="datetimeFigureOut">
               <a:rPr lang="en-US" smtClean="0"/>
-              <a:t>11/18/24</a:t>
+              <a:t>12/9/24</a:t>
             </a:fld>
             <a:endParaRPr lang="en-US"/>
           </a:p>
@@ -11603,7 +11613,7 @@
           <a:p>
             <a:fld id="{DFB05345-684B-FE4D-BD5E-296A78E92205}" type="datetimeFigureOut">
               <a:rPr lang="en-US" smtClean="0"/>
-              <a:t>11/18/24</a:t>
+              <a:t>12/9/24</a:t>
             </a:fld>
             <a:endParaRPr lang="en-US"/>
           </a:p>
@@ -12047,7 +12057,7 @@
           <a:p>
             <a:fld id="{DFB05345-684B-FE4D-BD5E-296A78E92205}" type="datetimeFigureOut">
               <a:rPr lang="en-US" smtClean="0"/>
-              <a:t>11/18/24</a:t>
+              <a:t>12/9/24</a:t>
             </a:fld>
             <a:endParaRPr lang="en-US"/>
           </a:p>
@@ -12165,7 +12175,7 @@
           <a:p>
             <a:fld id="{DFB05345-684B-FE4D-BD5E-296A78E92205}" type="datetimeFigureOut">
               <a:rPr lang="en-US" smtClean="0"/>
-              <a:t>11/18/24</a:t>
+              <a:t>12/9/24</a:t>
             </a:fld>
             <a:endParaRPr lang="en-US"/>
           </a:p>
@@ -12260,7 +12270,7 @@
           <a:p>
             <a:fld id="{DFB05345-684B-FE4D-BD5E-296A78E92205}" type="datetimeFigureOut">
               <a:rPr lang="en-US" smtClean="0"/>
-              <a:t>11/18/24</a:t>
+              <a:t>12/9/24</a:t>
             </a:fld>
             <a:endParaRPr lang="en-US"/>
           </a:p>
@@ -12539,7 +12549,7 @@
           <a:p>
             <a:fld id="{DFB05345-684B-FE4D-BD5E-296A78E92205}" type="datetimeFigureOut">
               <a:rPr lang="en-US" smtClean="0"/>
-              <a:t>11/18/24</a:t>
+              <a:t>12/9/24</a:t>
             </a:fld>
             <a:endParaRPr lang="en-US"/>
           </a:p>
@@ -12814,7 +12824,7 @@
           <a:p>
             <a:fld id="{DFB05345-684B-FE4D-BD5E-296A78E92205}" type="datetimeFigureOut">
               <a:rPr lang="en-US" smtClean="0"/>
-              <a:t>11/18/24</a:t>
+              <a:t>12/9/24</a:t>
             </a:fld>
             <a:endParaRPr lang="en-US"/>
           </a:p>
@@ -13243,7 +13253,7 @@
           <a:p>
             <a:fld id="{DFB05345-684B-FE4D-BD5E-296A78E92205}" type="datetimeFigureOut">
               <a:rPr lang="en-US" smtClean="0"/>
-              <a:t>11/18/24</a:t>
+              <a:t>12/9/24</a:t>
             </a:fld>
             <a:endParaRPr lang="en-US"/>
           </a:p>
@@ -14927,6 +14937,1645 @@
 </p:sld>
 </file>
 
+<file path=ppt/slides/slide10.xml><?xml version="1.0" encoding="utf-8"?>
+<p:sld xmlns:a="http://schemas.openxmlformats.org/drawingml/2006/main" xmlns:r="http://schemas.openxmlformats.org/officeDocument/2006/relationships" xmlns:p="http://schemas.openxmlformats.org/presentationml/2006/main">
+  <p:cSld>
+    <p:bg>
+      <p:bgPr>
+        <a:blipFill rotWithShape="1">
+          <a:blip r:embed="rId2">
+            <a:duotone>
+              <a:schemeClr val="bg2">
+                <a:shade val="69000"/>
+                <a:hueMod val="108000"/>
+                <a:satMod val="164000"/>
+                <a:lumMod val="74000"/>
+              </a:schemeClr>
+              <a:schemeClr val="bg2">
+                <a:tint val="96000"/>
+                <a:hueMod val="88000"/>
+                <a:satMod val="140000"/>
+                <a:lumMod val="132000"/>
+              </a:schemeClr>
+            </a:duotone>
+          </a:blip>
+          <a:stretch/>
+        </a:blipFill>
+        <a:effectLst/>
+      </p:bgPr>
+    </p:bg>
+    <p:spTree>
+      <p:nvGrpSpPr>
+        <p:cNvPr id="1" name=""/>
+        <p:cNvGrpSpPr/>
+        <p:nvPr/>
+      </p:nvGrpSpPr>
+      <p:grpSpPr>
+        <a:xfrm>
+          <a:off x="0" y="0"/>
+          <a:ext cx="0" cy="0"/>
+          <a:chOff x="0" y="0"/>
+          <a:chExt cx="0" cy="0"/>
+        </a:xfrm>
+      </p:grpSpPr>
+      <p:sp useBgFill="1">
+        <p:nvSpPr>
+          <p:cNvPr id="8" name="Rectangle 7">
+            <a:extLst>
+              <a:ext uri="{FF2B5EF4-FFF2-40B4-BE49-F238E27FC236}">
+                <a16:creationId xmlns:a16="http://schemas.microsoft.com/office/drawing/2014/main" id="{DDBA86CC-34C3-43C1-B328-62490FE69046}"/>
+              </a:ext>
+              <a:ext uri="{C183D7F6-B498-43B3-948B-1728B52AA6E4}">
+                <adec:decorative xmlns:adec="http://schemas.microsoft.com/office/drawing/2017/decorative" val="1"/>
+              </a:ext>
+            </a:extLst>
+          </p:cNvPr>
+          <p:cNvSpPr>
+            <a:spLocks noGrp="1" noRot="1" noChangeAspect="1" noMove="1" noResize="1" noEditPoints="1" noAdjustHandles="1" noChangeArrowheads="1" noChangeShapeType="1" noTextEdit="1"/>
+          </p:cNvSpPr>
+          <p:nvPr>
+            <p:extLst>
+              <p:ext uri="{386F3935-93C4-4BCD-93E2-E3B085C9AB24}">
+                <p16:designElem xmlns:p16="http://schemas.microsoft.com/office/powerpoint/2015/main" val="1"/>
+              </p:ext>
+            </p:extLst>
+          </p:nvPr>
+        </p:nvSpPr>
+        <p:spPr>
+          <a:xfrm>
+            <a:off x="1" y="0"/>
+            <a:ext cx="12192000" cy="6858000"/>
+          </a:xfrm>
+          <a:prstGeom prst="rect">
+            <a:avLst/>
+          </a:prstGeom>
+          <a:ln>
+            <a:noFill/>
+          </a:ln>
+        </p:spPr>
+        <p:style>
+          <a:lnRef idx="2">
+            <a:schemeClr val="accent1">
+              <a:shade val="50000"/>
+            </a:schemeClr>
+          </a:lnRef>
+          <a:fillRef idx="1003">
+            <a:schemeClr val="dk2"/>
+          </a:fillRef>
+          <a:effectRef idx="0">
+            <a:schemeClr val="accent1"/>
+          </a:effectRef>
+          <a:fontRef idx="minor">
+            <a:schemeClr val="lt1"/>
+          </a:fontRef>
+        </p:style>
+        <p:txBody>
+          <a:bodyPr rtlCol="0" anchor="ctr"/>
+          <a:lstStyle/>
+          <a:p>
+            <a:pPr algn="ctr"/>
+            <a:endParaRPr lang="en-US"/>
+          </a:p>
+        </p:txBody>
+      </p:sp>
+      <p:sp>
+        <p:nvSpPr>
+          <p:cNvPr id="2" name="Title 1">
+            <a:extLst>
+              <a:ext uri="{FF2B5EF4-FFF2-40B4-BE49-F238E27FC236}">
+                <a16:creationId xmlns:a16="http://schemas.microsoft.com/office/drawing/2014/main" id="{04387C25-E185-A5E2-952C-87E51501589E}"/>
+              </a:ext>
+            </a:extLst>
+          </p:cNvPr>
+          <p:cNvSpPr>
+            <a:spLocks noGrp="1"/>
+          </p:cNvSpPr>
+          <p:nvPr>
+            <p:ph type="title"/>
+          </p:nvPr>
+        </p:nvSpPr>
+        <p:spPr>
+          <a:xfrm>
+            <a:off x="653143" y="1645920"/>
+            <a:ext cx="3522879" cy="4470821"/>
+          </a:xfrm>
+        </p:spPr>
+        <p:txBody>
+          <a:bodyPr>
+            <a:normAutofit/>
+          </a:bodyPr>
+          <a:lstStyle/>
+          <a:p>
+            <a:pPr algn="r"/>
+            <a:r>
+              <a:rPr lang="en-US">
+                <a:solidFill>
+                  <a:schemeClr val="tx1"/>
+                </a:solidFill>
+              </a:rPr>
+              <a:t>Solutions to Challenges</a:t>
+            </a:r>
+          </a:p>
+        </p:txBody>
+      </p:sp>
+      <p:sp>
+        <p:nvSpPr>
+          <p:cNvPr id="10" name="Rectangle 9">
+            <a:extLst>
+              <a:ext uri="{FF2B5EF4-FFF2-40B4-BE49-F238E27FC236}">
+                <a16:creationId xmlns:a16="http://schemas.microsoft.com/office/drawing/2014/main" id="{9CF4C9D6-90BC-48A0-91E8-0F0373CA11B5}"/>
+              </a:ext>
+              <a:ext uri="{C183D7F6-B498-43B3-948B-1728B52AA6E4}">
+                <adec:decorative xmlns:adec="http://schemas.microsoft.com/office/drawing/2017/decorative" val="1"/>
+              </a:ext>
+            </a:extLst>
+          </p:cNvPr>
+          <p:cNvSpPr>
+            <a:spLocks noGrp="1" noRot="1" noChangeAspect="1" noMove="1" noResize="1" noEditPoints="1" noAdjustHandles="1" noChangeArrowheads="1" noChangeShapeType="1" noTextEdit="1"/>
+          </p:cNvSpPr>
+          <p:nvPr>
+            <p:extLst>
+              <p:ext uri="{386F3935-93C4-4BCD-93E2-E3B085C9AB24}">
+                <p16:designElem xmlns:p16="http://schemas.microsoft.com/office/powerpoint/2015/main" val="1"/>
+              </p:ext>
+            </p:extLst>
+          </p:nvPr>
+        </p:nvSpPr>
+        <p:spPr>
+          <a:xfrm>
+            <a:off x="10437812" y="0"/>
+            <a:ext cx="685800" cy="1143000"/>
+          </a:xfrm>
+          <a:prstGeom prst="rect">
+            <a:avLst/>
+          </a:prstGeom>
+          <a:solidFill>
+            <a:schemeClr val="accent1"/>
+          </a:solidFill>
+          <a:ln>
+            <a:noFill/>
+          </a:ln>
+        </p:spPr>
+        <p:style>
+          <a:lnRef idx="1">
+            <a:schemeClr val="accent1"/>
+          </a:lnRef>
+          <a:fillRef idx="3">
+            <a:schemeClr val="accent1"/>
+          </a:fillRef>
+          <a:effectRef idx="2">
+            <a:schemeClr val="accent1"/>
+          </a:effectRef>
+          <a:fontRef idx="minor">
+            <a:schemeClr val="lt1"/>
+          </a:fontRef>
+        </p:style>
+        <p:txBody>
+          <a:bodyPr/>
+          <a:lstStyle/>
+          <a:p>
+            <a:endParaRPr lang="en-US"/>
+          </a:p>
+        </p:txBody>
+      </p:sp>
+      <p:sp>
+        <p:nvSpPr>
+          <p:cNvPr id="3" name="Content Placeholder 2">
+            <a:extLst>
+              <a:ext uri="{FF2B5EF4-FFF2-40B4-BE49-F238E27FC236}">
+                <a16:creationId xmlns:a16="http://schemas.microsoft.com/office/drawing/2014/main" id="{DB6A6DBE-3BC3-8E11-DDFD-2174404C550F}"/>
+              </a:ext>
+            </a:extLst>
+          </p:cNvPr>
+          <p:cNvSpPr>
+            <a:spLocks noGrp="1"/>
+          </p:cNvSpPr>
+          <p:nvPr>
+            <p:ph idx="1"/>
+          </p:nvPr>
+        </p:nvSpPr>
+        <p:spPr>
+          <a:xfrm>
+            <a:off x="4829164" y="1645920"/>
+            <a:ext cx="6294448" cy="4470821"/>
+          </a:xfrm>
+        </p:spPr>
+        <p:txBody>
+          <a:bodyPr>
+            <a:normAutofit/>
+          </a:bodyPr>
+          <a:lstStyle/>
+          <a:p>
+            <a:r>
+              <a:rPr lang="en-US" b="1" dirty="0"/>
+              <a:t>Improved Network Handling:</a:t>
+            </a:r>
+            <a:endParaRPr lang="en-US" dirty="0"/>
+          </a:p>
+          <a:p>
+            <a:pPr>
+              <a:buFont typeface="Arial" panose="020B0604020202020204" pitchFamily="34" charset="0"/>
+              <a:buChar char="•"/>
+            </a:pPr>
+            <a:r>
+              <a:rPr lang="en-US" dirty="0"/>
+              <a:t>Added clear error messages and prompts to guide users to the correct blockchain network.</a:t>
+            </a:r>
+          </a:p>
+          <a:p>
+            <a:r>
+              <a:rPr lang="en-US" b="1" dirty="0"/>
+              <a:t>Adjusted Gas Limits:</a:t>
+            </a:r>
+            <a:endParaRPr lang="en-US" dirty="0"/>
+          </a:p>
+          <a:p>
+            <a:pPr>
+              <a:buFont typeface="Arial" panose="020B0604020202020204" pitchFamily="34" charset="0"/>
+              <a:buChar char="•"/>
+            </a:pPr>
+            <a:r>
+              <a:rPr lang="en-US" dirty="0"/>
+              <a:t>Increased default gas limits to prevent transaction failures and ensure smoother operations.</a:t>
+            </a:r>
+          </a:p>
+          <a:p>
+            <a:r>
+              <a:rPr lang="en-US" b="1" dirty="0"/>
+              <a:t>Thorough Testing:</a:t>
+            </a:r>
+            <a:endParaRPr lang="en-US" dirty="0"/>
+          </a:p>
+          <a:p>
+            <a:pPr>
+              <a:buFont typeface="Arial" panose="020B0604020202020204" pitchFamily="34" charset="0"/>
+              <a:buChar char="•"/>
+            </a:pPr>
+            <a:r>
+              <a:rPr lang="en-US" dirty="0"/>
+              <a:t>Conducted extensive testing on both local and public networks to resolve deployment issues and ensure reliability.</a:t>
+            </a:r>
+          </a:p>
+          <a:p>
+            <a:endParaRPr lang="en-US" dirty="0"/>
+          </a:p>
+        </p:txBody>
+      </p:sp>
+    </p:spTree>
+    <p:extLst>
+      <p:ext uri="{BB962C8B-B14F-4D97-AF65-F5344CB8AC3E}">
+        <p14:creationId xmlns:p14="http://schemas.microsoft.com/office/powerpoint/2010/main" val="627038243"/>
+      </p:ext>
+    </p:extLst>
+  </p:cSld>
+  <p:clrMapOvr>
+    <a:masterClrMapping/>
+  </p:clrMapOvr>
+</p:sld>
+</file>
+
+<file path=ppt/slides/slide11.xml><?xml version="1.0" encoding="utf-8"?>
+<p:sld xmlns:a="http://schemas.openxmlformats.org/drawingml/2006/main" xmlns:r="http://schemas.openxmlformats.org/officeDocument/2006/relationships" xmlns:p="http://schemas.openxmlformats.org/presentationml/2006/main">
+  <p:cSld>
+    <p:bg>
+      <p:bgPr>
+        <a:blipFill rotWithShape="1">
+          <a:blip r:embed="rId2">
+            <a:duotone>
+              <a:schemeClr val="bg2">
+                <a:shade val="69000"/>
+                <a:hueMod val="108000"/>
+                <a:satMod val="164000"/>
+                <a:lumMod val="74000"/>
+              </a:schemeClr>
+              <a:schemeClr val="bg2">
+                <a:tint val="96000"/>
+                <a:hueMod val="88000"/>
+                <a:satMod val="140000"/>
+                <a:lumMod val="132000"/>
+              </a:schemeClr>
+            </a:duotone>
+          </a:blip>
+          <a:stretch/>
+        </a:blipFill>
+        <a:effectLst/>
+      </p:bgPr>
+    </p:bg>
+    <p:spTree>
+      <p:nvGrpSpPr>
+        <p:cNvPr id="1" name=""/>
+        <p:cNvGrpSpPr/>
+        <p:nvPr/>
+      </p:nvGrpSpPr>
+      <p:grpSpPr>
+        <a:xfrm>
+          <a:off x="0" y="0"/>
+          <a:ext cx="0" cy="0"/>
+          <a:chOff x="0" y="0"/>
+          <a:chExt cx="0" cy="0"/>
+        </a:xfrm>
+      </p:grpSpPr>
+      <p:sp>
+        <p:nvSpPr>
+          <p:cNvPr id="22" name="Rectangle 21">
+            <a:extLst>
+              <a:ext uri="{FF2B5EF4-FFF2-40B4-BE49-F238E27FC236}">
+                <a16:creationId xmlns:a16="http://schemas.microsoft.com/office/drawing/2014/main" id="{C8A3C342-1D03-412F-8DD3-BF519E8E0AE9}"/>
+              </a:ext>
+              <a:ext uri="{C183D7F6-B498-43B3-948B-1728B52AA6E4}">
+                <adec:decorative xmlns:adec="http://schemas.microsoft.com/office/drawing/2017/decorative" val="1"/>
+              </a:ext>
+            </a:extLst>
+          </p:cNvPr>
+          <p:cNvSpPr>
+            <a:spLocks noGrp="1" noRot="1" noChangeAspect="1" noMove="1" noResize="1" noEditPoints="1" noAdjustHandles="1" noChangeArrowheads="1" noChangeShapeType="1" noTextEdit="1"/>
+          </p:cNvSpPr>
+          <p:nvPr>
+            <p:extLst>
+              <p:ext uri="{386F3935-93C4-4BCD-93E2-E3B085C9AB24}">
+                <p16:designElem xmlns:p16="http://schemas.microsoft.com/office/powerpoint/2015/main" val="1"/>
+              </p:ext>
+            </p:extLst>
+          </p:nvPr>
+        </p:nvSpPr>
+        <p:spPr>
+          <a:xfrm>
+            <a:off x="0" y="0"/>
+            <a:ext cx="12192000" cy="6858000"/>
+          </a:xfrm>
+          <a:prstGeom prst="rect">
+            <a:avLst/>
+          </a:prstGeom>
+          <a:ln>
+            <a:noFill/>
+          </a:ln>
+        </p:spPr>
+        <p:style>
+          <a:lnRef idx="2">
+            <a:schemeClr val="accent1">
+              <a:shade val="50000"/>
+            </a:schemeClr>
+          </a:lnRef>
+          <a:fillRef idx="1003">
+            <a:schemeClr val="dk2"/>
+          </a:fillRef>
+          <a:effectRef idx="0">
+            <a:schemeClr val="accent1"/>
+          </a:effectRef>
+          <a:fontRef idx="minor">
+            <a:schemeClr val="lt1"/>
+          </a:fontRef>
+        </p:style>
+        <p:txBody>
+          <a:bodyPr rtlCol="0" anchor="ctr"/>
+          <a:lstStyle/>
+          <a:p>
+            <a:pPr algn="ctr"/>
+            <a:endParaRPr lang="en-US"/>
+          </a:p>
+        </p:txBody>
+      </p:sp>
+      <p:sp>
+        <p:nvSpPr>
+          <p:cNvPr id="2" name="Title 1">
+            <a:extLst>
+              <a:ext uri="{FF2B5EF4-FFF2-40B4-BE49-F238E27FC236}">
+                <a16:creationId xmlns:a16="http://schemas.microsoft.com/office/drawing/2014/main" id="{B34B0283-F2AF-52EA-7682-68063301F435}"/>
+              </a:ext>
+            </a:extLst>
+          </p:cNvPr>
+          <p:cNvSpPr>
+            <a:spLocks noGrp="1"/>
+          </p:cNvSpPr>
+          <p:nvPr>
+            <p:ph type="title"/>
+          </p:nvPr>
+        </p:nvSpPr>
+        <p:spPr>
+          <a:xfrm>
+            <a:off x="648930" y="629266"/>
+            <a:ext cx="6188190" cy="1622321"/>
+          </a:xfrm>
+        </p:spPr>
+        <p:txBody>
+          <a:bodyPr>
+            <a:normAutofit/>
+          </a:bodyPr>
+          <a:lstStyle/>
+          <a:p>
+            <a:r>
+              <a:rPr lang="en-US">
+                <a:solidFill>
+                  <a:srgbClr val="EBEBEB"/>
+                </a:solidFill>
+              </a:rPr>
+              <a:t>GitHub Repository</a:t>
+            </a:r>
+          </a:p>
+        </p:txBody>
+      </p:sp>
+      <p:sp>
+        <p:nvSpPr>
+          <p:cNvPr id="23" name="Content Placeholder 2">
+            <a:extLst>
+              <a:ext uri="{FF2B5EF4-FFF2-40B4-BE49-F238E27FC236}">
+                <a16:creationId xmlns:a16="http://schemas.microsoft.com/office/drawing/2014/main" id="{451A99F8-1599-88FD-13DF-F6D9DD58EB22}"/>
+              </a:ext>
+            </a:extLst>
+          </p:cNvPr>
+          <p:cNvSpPr>
+            <a:spLocks noGrp="1"/>
+          </p:cNvSpPr>
+          <p:nvPr>
+            <p:ph idx="1"/>
+          </p:nvPr>
+        </p:nvSpPr>
+        <p:spPr>
+          <a:xfrm>
+            <a:off x="648930" y="2438400"/>
+            <a:ext cx="6188189" cy="3785419"/>
+          </a:xfrm>
+        </p:spPr>
+        <p:txBody>
+          <a:bodyPr>
+            <a:normAutofit/>
+          </a:bodyPr>
+          <a:lstStyle/>
+          <a:p>
+            <a:r>
+              <a:rPr lang="en-US">
+                <a:solidFill>
+                  <a:srgbClr val="FFFFFF"/>
+                </a:solidFill>
+              </a:rPr>
+              <a:t>The whole source code and documentation for the project can be found on </a:t>
+            </a:r>
+          </a:p>
+          <a:p>
+            <a:r>
+              <a:rPr lang="en-US">
+                <a:solidFill>
+                  <a:srgbClr val="FFFFFF"/>
+                </a:solidFill>
+              </a:rPr>
+              <a:t>GitHub:</a:t>
+            </a:r>
+            <a:br>
+              <a:rPr lang="en-US">
+                <a:solidFill>
+                  <a:srgbClr val="FFFFFF"/>
+                </a:solidFill>
+              </a:rPr>
+            </a:br>
+            <a:r>
+              <a:rPr lang="en-US">
+                <a:solidFill>
+                  <a:srgbClr val="FFFFFF"/>
+                </a:solidFill>
+              </a:rPr>
+              <a:t>Repository URL: </a:t>
+            </a:r>
+            <a:r>
+              <a:rPr lang="en-US">
+                <a:solidFill>
+                  <a:srgbClr val="FFFFFF"/>
+                </a:solidFill>
+                <a:hlinkClick r:id="rId3"/>
+              </a:rPr>
+              <a:t>https://github.com/Tsr2001/donation-platform</a:t>
+            </a:r>
+            <a:endParaRPr lang="en-US">
+              <a:solidFill>
+                <a:srgbClr val="FFFFFF"/>
+              </a:solidFill>
+            </a:endParaRPr>
+          </a:p>
+          <a:p>
+            <a:r>
+              <a:rPr lang="en-US">
+                <a:solidFill>
+                  <a:srgbClr val="FFFFFF"/>
+                </a:solidFill>
+              </a:rPr>
+              <a:t>The repository contains the smart contract code, frontend application, deployment scripts, and user manuals.</a:t>
+            </a:r>
+          </a:p>
+        </p:txBody>
+      </p:sp>
+      <p:sp>
+        <p:nvSpPr>
+          <p:cNvPr id="24" name="Freeform 31">
+            <a:extLst>
+              <a:ext uri="{FF2B5EF4-FFF2-40B4-BE49-F238E27FC236}">
+                <a16:creationId xmlns:a16="http://schemas.microsoft.com/office/drawing/2014/main" id="{81CC9B02-E087-4350-AEBD-2C3CF001AF01}"/>
+              </a:ext>
+              <a:ext uri="{C183D7F6-B498-43B3-948B-1728B52AA6E4}">
+                <adec:decorative xmlns:adec="http://schemas.microsoft.com/office/drawing/2017/decorative" val="1"/>
+              </a:ext>
+            </a:extLst>
+          </p:cNvPr>
+          <p:cNvSpPr>
+            <a:spLocks noGrp="1" noRot="1" noChangeAspect="1" noMove="1" noResize="1" noEditPoints="1" noAdjustHandles="1" noChangeArrowheads="1" noChangeShapeType="1" noTextEdit="1"/>
+          </p:cNvSpPr>
+          <p:nvPr>
+            <p:extLst>
+              <p:ext uri="{386F3935-93C4-4BCD-93E2-E3B085C9AB24}">
+                <p16:designElem xmlns:p16="http://schemas.microsoft.com/office/powerpoint/2015/main" val="1"/>
+              </p:ext>
+            </p:extLst>
+          </p:nvPr>
+        </p:nvSpPr>
+        <p:spPr>
+          <a:xfrm>
+            <a:off x="7015974" y="-1"/>
+            <a:ext cx="559472" cy="3709642"/>
+          </a:xfrm>
+          <a:custGeom>
+            <a:avLst/>
+            <a:gdLst>
+              <a:gd name="connsiteX0" fmla="*/ 0 w 559472"/>
+              <a:gd name="connsiteY0" fmla="*/ 0 h 3709642"/>
+              <a:gd name="connsiteX1" fmla="*/ 473952 w 559472"/>
+              <a:gd name="connsiteY1" fmla="*/ 0 h 3709642"/>
+              <a:gd name="connsiteX2" fmla="*/ 485840 w 559472"/>
+              <a:gd name="connsiteY2" fmla="*/ 161194 h 3709642"/>
+              <a:gd name="connsiteX3" fmla="*/ 523949 w 559472"/>
+              <a:gd name="connsiteY3" fmla="*/ 3672197 h 3709642"/>
+              <a:gd name="connsiteX4" fmla="*/ 454748 w 559472"/>
+              <a:gd name="connsiteY4" fmla="*/ 3709642 h 3709642"/>
+              <a:gd name="connsiteX5" fmla="*/ 448224 w 559472"/>
+              <a:gd name="connsiteY5" fmla="*/ 3510471 h 3709642"/>
+              <a:gd name="connsiteX6" fmla="*/ 443564 w 559472"/>
+              <a:gd name="connsiteY6" fmla="*/ 3408563 h 3709642"/>
+              <a:gd name="connsiteX7" fmla="*/ 438902 w 559472"/>
+              <a:gd name="connsiteY7" fmla="*/ 3304407 h 3709642"/>
+              <a:gd name="connsiteX8" fmla="*/ 433941 w 559472"/>
+              <a:gd name="connsiteY8" fmla="*/ 3198777 h 3709642"/>
+              <a:gd name="connsiteX9" fmla="*/ 427584 w 559472"/>
+              <a:gd name="connsiteY9" fmla="*/ 3092510 h 3709642"/>
+              <a:gd name="connsiteX10" fmla="*/ 420988 w 559472"/>
+              <a:gd name="connsiteY10" fmla="*/ 2984390 h 3709642"/>
+              <a:gd name="connsiteX11" fmla="*/ 414330 w 559472"/>
+              <a:gd name="connsiteY11" fmla="*/ 2874401 h 3709642"/>
+              <a:gd name="connsiteX12" fmla="*/ 406840 w 559472"/>
+              <a:gd name="connsiteY12" fmla="*/ 2762980 h 3709642"/>
+              <a:gd name="connsiteX13" fmla="*/ 397745 w 559472"/>
+              <a:gd name="connsiteY13" fmla="*/ 2650566 h 3709642"/>
+              <a:gd name="connsiteX14" fmla="*/ 389154 w 559472"/>
+              <a:gd name="connsiteY14" fmla="*/ 2536612 h 3709642"/>
+              <a:gd name="connsiteX15" fmla="*/ 379225 w 559472"/>
+              <a:gd name="connsiteY15" fmla="*/ 2421642 h 3709642"/>
+              <a:gd name="connsiteX16" fmla="*/ 368316 w 559472"/>
+              <a:gd name="connsiteY16" fmla="*/ 2305627 h 3709642"/>
+              <a:gd name="connsiteX17" fmla="*/ 357466 w 559472"/>
+              <a:gd name="connsiteY17" fmla="*/ 2189233 h 3709642"/>
+              <a:gd name="connsiteX18" fmla="*/ 344982 w 559472"/>
+              <a:gd name="connsiteY18" fmla="*/ 2071473 h 3709642"/>
+              <a:gd name="connsiteX19" fmla="*/ 332466 w 559472"/>
+              <a:gd name="connsiteY19" fmla="*/ 1952216 h 3709642"/>
+              <a:gd name="connsiteX20" fmla="*/ 319121 w 559472"/>
+              <a:gd name="connsiteY20" fmla="*/ 1833776 h 3709642"/>
+              <a:gd name="connsiteX21" fmla="*/ 304408 w 559472"/>
+              <a:gd name="connsiteY21" fmla="*/ 1713948 h 3709642"/>
+              <a:gd name="connsiteX22" fmla="*/ 288685 w 559472"/>
+              <a:gd name="connsiteY22" fmla="*/ 1592703 h 3709642"/>
+              <a:gd name="connsiteX23" fmla="*/ 273050 w 559472"/>
+              <a:gd name="connsiteY23" fmla="*/ 1471451 h 3709642"/>
+              <a:gd name="connsiteX24" fmla="*/ 255813 w 559472"/>
+              <a:gd name="connsiteY24" fmla="*/ 1350328 h 3709642"/>
+              <a:gd name="connsiteX25" fmla="*/ 237060 w 559472"/>
+              <a:gd name="connsiteY25" fmla="*/ 1227080 h 3709642"/>
+              <a:gd name="connsiteX26" fmla="*/ 218488 w 559472"/>
+              <a:gd name="connsiteY26" fmla="*/ 1106065 h 3709642"/>
+              <a:gd name="connsiteX27" fmla="*/ 198221 w 559472"/>
+              <a:gd name="connsiteY27" fmla="*/ 982940 h 3709642"/>
+              <a:gd name="connsiteX28" fmla="*/ 177152 w 559472"/>
+              <a:gd name="connsiteY28" fmla="*/ 858755 h 3709642"/>
+              <a:gd name="connsiteX29" fmla="*/ 155551 w 559472"/>
+              <a:gd name="connsiteY29" fmla="*/ 736861 h 3709642"/>
+              <a:gd name="connsiteX30" fmla="*/ 131782 w 559472"/>
+              <a:gd name="connsiteY30" fmla="*/ 613645 h 3709642"/>
+              <a:gd name="connsiteX31" fmla="*/ 107123 w 559472"/>
+              <a:gd name="connsiteY31" fmla="*/ 490500 h 3709642"/>
+              <a:gd name="connsiteX32" fmla="*/ 82552 w 559472"/>
+              <a:gd name="connsiteY32" fmla="*/ 367348 h 3709642"/>
+              <a:gd name="connsiteX33" fmla="*/ 55608 w 559472"/>
+              <a:gd name="connsiteY33" fmla="*/ 244762 h 3709642"/>
+              <a:gd name="connsiteX34" fmla="*/ 28130 w 559472"/>
+              <a:gd name="connsiteY34" fmla="*/ 122220 h 3709642"/>
+              <a:gd name="connsiteX35" fmla="*/ 0 w 559472"/>
+              <a:gd name="connsiteY35" fmla="*/ 0 h 3709642"/>
+            </a:gdLst>
+            <a:ahLst/>
+            <a:cxnLst>
+              <a:cxn ang="0">
+                <a:pos x="connsiteX0" y="connsiteY0"/>
+              </a:cxn>
+              <a:cxn ang="0">
+                <a:pos x="connsiteX1" y="connsiteY1"/>
+              </a:cxn>
+              <a:cxn ang="0">
+                <a:pos x="connsiteX2" y="connsiteY2"/>
+              </a:cxn>
+              <a:cxn ang="0">
+                <a:pos x="connsiteX3" y="connsiteY3"/>
+              </a:cxn>
+              <a:cxn ang="0">
+                <a:pos x="connsiteX4" y="connsiteY4"/>
+              </a:cxn>
+              <a:cxn ang="0">
+                <a:pos x="connsiteX5" y="connsiteY5"/>
+              </a:cxn>
+              <a:cxn ang="0">
+                <a:pos x="connsiteX6" y="connsiteY6"/>
+              </a:cxn>
+              <a:cxn ang="0">
+                <a:pos x="connsiteX7" y="connsiteY7"/>
+              </a:cxn>
+              <a:cxn ang="0">
+                <a:pos x="connsiteX8" y="connsiteY8"/>
+              </a:cxn>
+              <a:cxn ang="0">
+                <a:pos x="connsiteX9" y="connsiteY9"/>
+              </a:cxn>
+              <a:cxn ang="0">
+                <a:pos x="connsiteX10" y="connsiteY10"/>
+              </a:cxn>
+              <a:cxn ang="0">
+                <a:pos x="connsiteX11" y="connsiteY11"/>
+              </a:cxn>
+              <a:cxn ang="0">
+                <a:pos x="connsiteX12" y="connsiteY12"/>
+              </a:cxn>
+              <a:cxn ang="0">
+                <a:pos x="connsiteX13" y="connsiteY13"/>
+              </a:cxn>
+              <a:cxn ang="0">
+                <a:pos x="connsiteX14" y="connsiteY14"/>
+              </a:cxn>
+              <a:cxn ang="0">
+                <a:pos x="connsiteX15" y="connsiteY15"/>
+              </a:cxn>
+              <a:cxn ang="0">
+                <a:pos x="connsiteX16" y="connsiteY16"/>
+              </a:cxn>
+              <a:cxn ang="0">
+                <a:pos x="connsiteX17" y="connsiteY17"/>
+              </a:cxn>
+              <a:cxn ang="0">
+                <a:pos x="connsiteX18" y="connsiteY18"/>
+              </a:cxn>
+              <a:cxn ang="0">
+                <a:pos x="connsiteX19" y="connsiteY19"/>
+              </a:cxn>
+              <a:cxn ang="0">
+                <a:pos x="connsiteX20" y="connsiteY20"/>
+              </a:cxn>
+              <a:cxn ang="0">
+                <a:pos x="connsiteX21" y="connsiteY21"/>
+              </a:cxn>
+              <a:cxn ang="0">
+                <a:pos x="connsiteX22" y="connsiteY22"/>
+              </a:cxn>
+              <a:cxn ang="0">
+                <a:pos x="connsiteX23" y="connsiteY23"/>
+              </a:cxn>
+              <a:cxn ang="0">
+                <a:pos x="connsiteX24" y="connsiteY24"/>
+              </a:cxn>
+              <a:cxn ang="0">
+                <a:pos x="connsiteX25" y="connsiteY25"/>
+              </a:cxn>
+              <a:cxn ang="0">
+                <a:pos x="connsiteX26" y="connsiteY26"/>
+              </a:cxn>
+              <a:cxn ang="0">
+                <a:pos x="connsiteX27" y="connsiteY27"/>
+              </a:cxn>
+              <a:cxn ang="0">
+                <a:pos x="connsiteX28" y="connsiteY28"/>
+              </a:cxn>
+              <a:cxn ang="0">
+                <a:pos x="connsiteX29" y="connsiteY29"/>
+              </a:cxn>
+              <a:cxn ang="0">
+                <a:pos x="connsiteX30" y="connsiteY30"/>
+              </a:cxn>
+              <a:cxn ang="0">
+                <a:pos x="connsiteX31" y="connsiteY31"/>
+              </a:cxn>
+              <a:cxn ang="0">
+                <a:pos x="connsiteX32" y="connsiteY32"/>
+              </a:cxn>
+              <a:cxn ang="0">
+                <a:pos x="connsiteX33" y="connsiteY33"/>
+              </a:cxn>
+              <a:cxn ang="0">
+                <a:pos x="connsiteX34" y="connsiteY34"/>
+              </a:cxn>
+              <a:cxn ang="0">
+                <a:pos x="connsiteX35" y="connsiteY35"/>
+              </a:cxn>
+            </a:cxnLst>
+            <a:rect l="l" t="t" r="r" b="b"/>
+            <a:pathLst>
+              <a:path w="559472" h="3709642">
+                <a:moveTo>
+                  <a:pt x="0" y="0"/>
+                </a:moveTo>
+                <a:lnTo>
+                  <a:pt x="473952" y="0"/>
+                </a:lnTo>
+                <a:lnTo>
+                  <a:pt x="485840" y="161194"/>
+                </a:lnTo>
+                <a:cubicBezTo>
+                  <a:pt x="552063" y="1147770"/>
+                  <a:pt x="592441" y="3086737"/>
+                  <a:pt x="523949" y="3672197"/>
+                </a:cubicBezTo>
+                <a:cubicBezTo>
+                  <a:pt x="500842" y="3684557"/>
+                  <a:pt x="477855" y="3697282"/>
+                  <a:pt x="454748" y="3709642"/>
+                </a:cubicBezTo>
+                <a:lnTo>
+                  <a:pt x="448224" y="3510471"/>
+                </a:lnTo>
+                <a:lnTo>
+                  <a:pt x="443564" y="3408563"/>
+                </a:lnTo>
+                <a:lnTo>
+                  <a:pt x="438902" y="3304407"/>
+                </a:lnTo>
+                <a:lnTo>
+                  <a:pt x="433941" y="3198777"/>
+                </a:lnTo>
+                <a:lnTo>
+                  <a:pt x="427584" y="3092510"/>
+                </a:lnTo>
+                <a:lnTo>
+                  <a:pt x="420988" y="2984390"/>
+                </a:lnTo>
+                <a:lnTo>
+                  <a:pt x="414330" y="2874401"/>
+                </a:lnTo>
+                <a:lnTo>
+                  <a:pt x="406840" y="2762980"/>
+                </a:lnTo>
+                <a:lnTo>
+                  <a:pt x="397745" y="2650566"/>
+                </a:lnTo>
+                <a:lnTo>
+                  <a:pt x="389154" y="2536612"/>
+                </a:lnTo>
+                <a:lnTo>
+                  <a:pt x="379225" y="2421642"/>
+                </a:lnTo>
+                <a:lnTo>
+                  <a:pt x="368316" y="2305627"/>
+                </a:lnTo>
+                <a:lnTo>
+                  <a:pt x="357466" y="2189233"/>
+                </a:lnTo>
+                <a:lnTo>
+                  <a:pt x="344982" y="2071473"/>
+                </a:lnTo>
+                <a:lnTo>
+                  <a:pt x="332466" y="1952216"/>
+                </a:lnTo>
+                <a:lnTo>
+                  <a:pt x="319121" y="1833776"/>
+                </a:lnTo>
+                <a:lnTo>
+                  <a:pt x="304408" y="1713948"/>
+                </a:lnTo>
+                <a:lnTo>
+                  <a:pt x="288685" y="1592703"/>
+                </a:lnTo>
+                <a:lnTo>
+                  <a:pt x="273050" y="1471451"/>
+                </a:lnTo>
+                <a:lnTo>
+                  <a:pt x="255813" y="1350328"/>
+                </a:lnTo>
+                <a:lnTo>
+                  <a:pt x="237060" y="1227080"/>
+                </a:lnTo>
+                <a:lnTo>
+                  <a:pt x="218488" y="1106065"/>
+                </a:lnTo>
+                <a:lnTo>
+                  <a:pt x="198221" y="982940"/>
+                </a:lnTo>
+                <a:lnTo>
+                  <a:pt x="177152" y="858755"/>
+                </a:lnTo>
+                <a:lnTo>
+                  <a:pt x="155551" y="736861"/>
+                </a:lnTo>
+                <a:lnTo>
+                  <a:pt x="131782" y="613645"/>
+                </a:lnTo>
+                <a:lnTo>
+                  <a:pt x="107123" y="490500"/>
+                </a:lnTo>
+                <a:lnTo>
+                  <a:pt x="82552" y="367348"/>
+                </a:lnTo>
+                <a:lnTo>
+                  <a:pt x="55608" y="244762"/>
+                </a:lnTo>
+                <a:lnTo>
+                  <a:pt x="28130" y="122220"/>
+                </a:lnTo>
+                <a:lnTo>
+                  <a:pt x="0" y="0"/>
+                </a:lnTo>
+                <a:close/>
+              </a:path>
+            </a:pathLst>
+          </a:custGeom>
+          <a:solidFill>
+            <a:schemeClr val="tx1">
+              <a:alpha val="20000"/>
+            </a:schemeClr>
+          </a:solidFill>
+          <a:ln>
+            <a:noFill/>
+          </a:ln>
+        </p:spPr>
+        <p:txBody>
+          <a:bodyPr rtlCol="0" anchor="ctr"/>
+          <a:lstStyle/>
+          <a:p>
+            <a:pPr algn="ctr"/>
+            <a:endParaRPr lang="en-US"/>
+          </a:p>
+        </p:txBody>
+      </p:sp>
+      <p:pic>
+        <p:nvPicPr>
+          <p:cNvPr id="25" name="Picture 24" descr="Computer script on a screen">
+            <a:extLst>
+              <a:ext uri="{FF2B5EF4-FFF2-40B4-BE49-F238E27FC236}">
+                <a16:creationId xmlns:a16="http://schemas.microsoft.com/office/drawing/2014/main" id="{CBB3878F-38A4-9F52-DBEF-6B8A730791D6}"/>
+              </a:ext>
+            </a:extLst>
+          </p:cNvPr>
+          <p:cNvPicPr>
+            <a:picLocks noChangeAspect="1"/>
+          </p:cNvPicPr>
+          <p:nvPr/>
+        </p:nvPicPr>
+        <p:blipFill>
+          <a:blip r:embed="rId4"/>
+          <a:srcRect l="5959" r="45732" b="-2"/>
+          <a:stretch/>
+        </p:blipFill>
+        <p:spPr>
+          <a:xfrm>
+            <a:off x="7229175" y="1"/>
+            <a:ext cx="4963245" cy="6858001"/>
+          </a:xfrm>
+          <a:custGeom>
+            <a:avLst/>
+            <a:gdLst/>
+            <a:ahLst/>
+            <a:cxnLst/>
+            <a:rect l="l" t="t" r="r" b="b"/>
+            <a:pathLst>
+              <a:path w="4963245" h="6858001">
+                <a:moveTo>
+                  <a:pt x="1177" y="0"/>
+                </a:moveTo>
+                <a:lnTo>
+                  <a:pt x="1344715" y="0"/>
+                </a:lnTo>
+                <a:lnTo>
+                  <a:pt x="1344715" y="1"/>
+                </a:lnTo>
+                <a:lnTo>
+                  <a:pt x="4963245" y="1"/>
+                </a:lnTo>
+                <a:lnTo>
+                  <a:pt x="4963244" y="6858001"/>
+                </a:lnTo>
+                <a:lnTo>
+                  <a:pt x="900697" y="6858001"/>
+                </a:lnTo>
+                <a:lnTo>
+                  <a:pt x="900697" y="6858000"/>
+                </a:lnTo>
+                <a:lnTo>
+                  <a:pt x="0" y="6858000"/>
+                </a:lnTo>
+                <a:lnTo>
+                  <a:pt x="5883" y="6817538"/>
+                </a:lnTo>
+                <a:lnTo>
+                  <a:pt x="23196" y="6698894"/>
+                </a:lnTo>
+                <a:lnTo>
+                  <a:pt x="35299" y="6612483"/>
+                </a:lnTo>
+                <a:lnTo>
+                  <a:pt x="48073" y="6509613"/>
+                </a:lnTo>
+                <a:lnTo>
+                  <a:pt x="63369" y="6387541"/>
+                </a:lnTo>
+                <a:lnTo>
+                  <a:pt x="79506" y="6252438"/>
+                </a:lnTo>
+                <a:lnTo>
+                  <a:pt x="96483" y="6100191"/>
+                </a:lnTo>
+                <a:lnTo>
+                  <a:pt x="114469" y="5934227"/>
+                </a:lnTo>
+                <a:lnTo>
+                  <a:pt x="132454" y="5753862"/>
+                </a:lnTo>
+                <a:lnTo>
+                  <a:pt x="150776" y="5561838"/>
+                </a:lnTo>
+                <a:lnTo>
+                  <a:pt x="167753" y="5354726"/>
+                </a:lnTo>
+                <a:lnTo>
+                  <a:pt x="184058" y="5138013"/>
+                </a:lnTo>
+                <a:lnTo>
+                  <a:pt x="198849" y="4908956"/>
+                </a:lnTo>
+                <a:lnTo>
+                  <a:pt x="212969" y="4670298"/>
+                </a:lnTo>
+                <a:lnTo>
+                  <a:pt x="226248" y="4421352"/>
+                </a:lnTo>
+                <a:lnTo>
+                  <a:pt x="230955" y="4293793"/>
+                </a:lnTo>
+                <a:lnTo>
+                  <a:pt x="236165" y="4163492"/>
+                </a:lnTo>
+                <a:lnTo>
+                  <a:pt x="241040" y="4031133"/>
+                </a:lnTo>
+                <a:lnTo>
+                  <a:pt x="244234" y="3898087"/>
+                </a:lnTo>
+                <a:lnTo>
+                  <a:pt x="247091" y="3762299"/>
+                </a:lnTo>
+                <a:lnTo>
+                  <a:pt x="250117" y="3625139"/>
+                </a:lnTo>
+                <a:lnTo>
+                  <a:pt x="252134" y="3485236"/>
+                </a:lnTo>
+                <a:lnTo>
+                  <a:pt x="252134" y="3343961"/>
+                </a:lnTo>
+                <a:lnTo>
+                  <a:pt x="253142" y="3201315"/>
+                </a:lnTo>
+                <a:lnTo>
+                  <a:pt x="252134" y="3057297"/>
+                </a:lnTo>
+                <a:lnTo>
+                  <a:pt x="250117" y="2911221"/>
+                </a:lnTo>
+                <a:lnTo>
+                  <a:pt x="248268" y="2765146"/>
+                </a:lnTo>
+                <a:lnTo>
+                  <a:pt x="244234" y="2617013"/>
+                </a:lnTo>
+                <a:lnTo>
+                  <a:pt x="240032" y="2467509"/>
+                </a:lnTo>
+                <a:lnTo>
+                  <a:pt x="235157" y="2318004"/>
+                </a:lnTo>
+                <a:lnTo>
+                  <a:pt x="228266" y="2167128"/>
+                </a:lnTo>
+                <a:lnTo>
+                  <a:pt x="220029" y="2014881"/>
+                </a:lnTo>
+                <a:lnTo>
+                  <a:pt x="212129" y="1861947"/>
+                </a:lnTo>
+                <a:lnTo>
+                  <a:pt x="202044" y="1709014"/>
+                </a:lnTo>
+                <a:lnTo>
+                  <a:pt x="189941" y="1554023"/>
+                </a:lnTo>
+                <a:lnTo>
+                  <a:pt x="177839" y="1401090"/>
+                </a:lnTo>
+                <a:lnTo>
+                  <a:pt x="163887" y="1245413"/>
+                </a:lnTo>
+                <a:lnTo>
+                  <a:pt x="148591" y="1089051"/>
+                </a:lnTo>
+                <a:lnTo>
+                  <a:pt x="132455" y="934746"/>
+                </a:lnTo>
+                <a:lnTo>
+                  <a:pt x="113629" y="778383"/>
+                </a:lnTo>
+                <a:lnTo>
+                  <a:pt x="93458" y="622707"/>
+                </a:lnTo>
+                <a:lnTo>
+                  <a:pt x="73455" y="466344"/>
+                </a:lnTo>
+                <a:lnTo>
+                  <a:pt x="50091" y="310668"/>
+                </a:lnTo>
+                <a:lnTo>
+                  <a:pt x="26222" y="155677"/>
+                </a:lnTo>
+                <a:close/>
+              </a:path>
+            </a:pathLst>
+          </a:custGeom>
+        </p:spPr>
+      </p:pic>
+    </p:spTree>
+    <p:extLst>
+      <p:ext uri="{BB962C8B-B14F-4D97-AF65-F5344CB8AC3E}">
+        <p14:creationId xmlns:p14="http://schemas.microsoft.com/office/powerpoint/2010/main" val="1181155412"/>
+      </p:ext>
+    </p:extLst>
+  </p:cSld>
+  <p:clrMapOvr>
+    <a:masterClrMapping/>
+  </p:clrMapOvr>
+</p:sld>
+</file>
+
+<file path=ppt/slides/slide12.xml><?xml version="1.0" encoding="utf-8"?>
+<p:sld xmlns:a="http://schemas.openxmlformats.org/drawingml/2006/main" xmlns:r="http://schemas.openxmlformats.org/officeDocument/2006/relationships" xmlns:p="http://schemas.openxmlformats.org/presentationml/2006/main">
+  <p:cSld>
+    <p:spTree>
+      <p:nvGrpSpPr>
+        <p:cNvPr id="1" name=""/>
+        <p:cNvGrpSpPr/>
+        <p:nvPr/>
+      </p:nvGrpSpPr>
+      <p:grpSpPr>
+        <a:xfrm>
+          <a:off x="0" y="0"/>
+          <a:ext cx="0" cy="0"/>
+          <a:chOff x="0" y="0"/>
+          <a:chExt cx="0" cy="0"/>
+        </a:xfrm>
+      </p:grpSpPr>
+      <p:sp>
+        <p:nvSpPr>
+          <p:cNvPr id="2" name="Title 1">
+            <a:extLst>
+              <a:ext uri="{FF2B5EF4-FFF2-40B4-BE49-F238E27FC236}">
+                <a16:creationId xmlns:a16="http://schemas.microsoft.com/office/drawing/2014/main" id="{E6B0F633-B597-BE14-C53B-ABE797234785}"/>
+              </a:ext>
+            </a:extLst>
+          </p:cNvPr>
+          <p:cNvSpPr>
+            <a:spLocks noGrp="1"/>
+          </p:cNvSpPr>
+          <p:nvPr>
+            <p:ph type="title"/>
+          </p:nvPr>
+        </p:nvSpPr>
+        <p:spPr/>
+        <p:txBody>
+          <a:bodyPr/>
+          <a:lstStyle/>
+          <a:p>
+            <a:r>
+              <a:rPr lang="en-US" dirty="0"/>
+              <a:t>Demo Link</a:t>
+            </a:r>
+            <a:br>
+              <a:rPr lang="en-US" dirty="0"/>
+            </a:br>
+            <a:endParaRPr lang="en-US" dirty="0"/>
+          </a:p>
+        </p:txBody>
+      </p:sp>
+      <p:sp>
+        <p:nvSpPr>
+          <p:cNvPr id="3" name="Content Placeholder 2">
+            <a:extLst>
+              <a:ext uri="{FF2B5EF4-FFF2-40B4-BE49-F238E27FC236}">
+                <a16:creationId xmlns:a16="http://schemas.microsoft.com/office/drawing/2014/main" id="{5781E724-2A4C-D47A-43D3-CEF3C752E7F3}"/>
+              </a:ext>
+            </a:extLst>
+          </p:cNvPr>
+          <p:cNvSpPr>
+            <a:spLocks noGrp="1"/>
+          </p:cNvSpPr>
+          <p:nvPr>
+            <p:ph idx="1"/>
+          </p:nvPr>
+        </p:nvSpPr>
+        <p:spPr/>
+        <p:txBody>
+          <a:bodyPr/>
+          <a:lstStyle/>
+          <a:p>
+            <a:r>
+              <a:rPr lang="en-US" dirty="0"/>
+              <a:t>https://</a:t>
+            </a:r>
+            <a:r>
+              <a:rPr lang="en-US" dirty="0" err="1"/>
+              <a:t>umsystem.hosted.panopto.com</a:t>
+            </a:r>
+            <a:r>
+              <a:rPr lang="en-US" dirty="0"/>
+              <a:t>/Panopto/Pages/</a:t>
+            </a:r>
+            <a:r>
+              <a:rPr lang="en-US" dirty="0" err="1"/>
+              <a:t>Viewer.aspx?id</a:t>
+            </a:r>
+            <a:r>
+              <a:rPr lang="en-US" dirty="0"/>
+              <a:t>=43ef65e3-eddf-431c-b47c-b2420055002b</a:t>
+            </a:r>
+          </a:p>
+        </p:txBody>
+      </p:sp>
+    </p:spTree>
+    <p:extLst>
+      <p:ext uri="{BB962C8B-B14F-4D97-AF65-F5344CB8AC3E}">
+        <p14:creationId xmlns:p14="http://schemas.microsoft.com/office/powerpoint/2010/main" val="1592958981"/>
+      </p:ext>
+    </p:extLst>
+  </p:cSld>
+  <p:clrMapOvr>
+    <a:masterClrMapping/>
+  </p:clrMapOvr>
+</p:sld>
+</file>
+
+<file path=ppt/slides/slide13.xml><?xml version="1.0" encoding="utf-8"?>
+<p:sld xmlns:a="http://schemas.openxmlformats.org/drawingml/2006/main" xmlns:r="http://schemas.openxmlformats.org/officeDocument/2006/relationships" xmlns:p="http://schemas.openxmlformats.org/presentationml/2006/main">
+  <p:cSld>
+    <p:bg>
+      <p:bgPr>
+        <a:blipFill rotWithShape="1">
+          <a:blip r:embed="rId2">
+            <a:duotone>
+              <a:schemeClr val="bg2">
+                <a:shade val="69000"/>
+                <a:hueMod val="108000"/>
+                <a:satMod val="164000"/>
+                <a:lumMod val="74000"/>
+              </a:schemeClr>
+              <a:schemeClr val="bg2">
+                <a:tint val="96000"/>
+                <a:hueMod val="88000"/>
+                <a:satMod val="140000"/>
+                <a:lumMod val="132000"/>
+              </a:schemeClr>
+            </a:duotone>
+          </a:blip>
+          <a:stretch/>
+        </a:blipFill>
+        <a:effectLst/>
+      </p:bgPr>
+    </p:bg>
+    <p:spTree>
+      <p:nvGrpSpPr>
+        <p:cNvPr id="1" name=""/>
+        <p:cNvGrpSpPr/>
+        <p:nvPr/>
+      </p:nvGrpSpPr>
+      <p:grpSpPr>
+        <a:xfrm>
+          <a:off x="0" y="0"/>
+          <a:ext cx="0" cy="0"/>
+          <a:chOff x="0" y="0"/>
+          <a:chExt cx="0" cy="0"/>
+        </a:xfrm>
+      </p:grpSpPr>
+      <p:sp>
+        <p:nvSpPr>
+          <p:cNvPr id="8" name="Rectangle 7">
+            <a:extLst>
+              <a:ext uri="{FF2B5EF4-FFF2-40B4-BE49-F238E27FC236}">
+                <a16:creationId xmlns:a16="http://schemas.microsoft.com/office/drawing/2014/main" id="{923E8915-D2AA-4327-A45A-972C3CA9574B}"/>
+              </a:ext>
+              <a:ext uri="{C183D7F6-B498-43B3-948B-1728B52AA6E4}">
+                <adec:decorative xmlns:adec="http://schemas.microsoft.com/office/drawing/2017/decorative" val="1"/>
+              </a:ext>
+            </a:extLst>
+          </p:cNvPr>
+          <p:cNvSpPr>
+            <a:spLocks noGrp="1" noRot="1" noChangeAspect="1" noMove="1" noResize="1" noEditPoints="1" noAdjustHandles="1" noChangeArrowheads="1" noChangeShapeType="1" noTextEdit="1"/>
+          </p:cNvSpPr>
+          <p:nvPr>
+            <p:extLst>
+              <p:ext uri="{386F3935-93C4-4BCD-93E2-E3B085C9AB24}">
+                <p16:designElem xmlns:p16="http://schemas.microsoft.com/office/powerpoint/2015/main" val="1"/>
+              </p:ext>
+            </p:extLst>
+          </p:nvPr>
+        </p:nvSpPr>
+        <p:spPr>
+          <a:xfrm>
+            <a:off x="0" y="0"/>
+            <a:ext cx="12192000" cy="6858000"/>
+          </a:xfrm>
+          <a:prstGeom prst="rect">
+            <a:avLst/>
+          </a:prstGeom>
+          <a:solidFill>
+            <a:schemeClr val="tx1"/>
+          </a:solidFill>
+          <a:ln>
+            <a:noFill/>
+          </a:ln>
+        </p:spPr>
+        <p:style>
+          <a:lnRef idx="2">
+            <a:schemeClr val="accent1">
+              <a:shade val="50000"/>
+            </a:schemeClr>
+          </a:lnRef>
+          <a:fillRef idx="1">
+            <a:schemeClr val="accent1"/>
+          </a:fillRef>
+          <a:effectRef idx="0">
+            <a:schemeClr val="accent1"/>
+          </a:effectRef>
+          <a:fontRef idx="minor">
+            <a:schemeClr val="lt1"/>
+          </a:fontRef>
+        </p:style>
+        <p:txBody>
+          <a:bodyPr rtlCol="0" anchor="ctr"/>
+          <a:lstStyle/>
+          <a:p>
+            <a:pPr algn="ctr"/>
+            <a:endParaRPr lang="en-US"/>
+          </a:p>
+        </p:txBody>
+      </p:sp>
+      <p:sp useBgFill="1">
+        <p:nvSpPr>
+          <p:cNvPr id="10" name="Rectangle 9">
+            <a:extLst>
+              <a:ext uri="{FF2B5EF4-FFF2-40B4-BE49-F238E27FC236}">
+                <a16:creationId xmlns:a16="http://schemas.microsoft.com/office/drawing/2014/main" id="{8302FC3C-9804-4950-B721-5FD704BA6065}"/>
+              </a:ext>
+              <a:ext uri="{C183D7F6-B498-43B3-948B-1728B52AA6E4}">
+                <adec:decorative xmlns:adec="http://schemas.microsoft.com/office/drawing/2017/decorative" val="1"/>
+              </a:ext>
+            </a:extLst>
+          </p:cNvPr>
+          <p:cNvSpPr>
+            <a:spLocks noGrp="1" noRot="1" noChangeAspect="1" noMove="1" noResize="1" noEditPoints="1" noAdjustHandles="1" noChangeArrowheads="1" noChangeShapeType="1" noTextEdit="1"/>
+          </p:cNvSpPr>
+          <p:nvPr>
+            <p:extLst>
+              <p:ext uri="{386F3935-93C4-4BCD-93E2-E3B085C9AB24}">
+                <p16:designElem xmlns:p16="http://schemas.microsoft.com/office/powerpoint/2015/main" val="1"/>
+              </p:ext>
+            </p:extLst>
+          </p:nvPr>
+        </p:nvSpPr>
+        <p:spPr bwMode="ltGray">
+          <a:xfrm>
+            <a:off x="0" y="0"/>
+            <a:ext cx="12188952" cy="6858000"/>
+          </a:xfrm>
+          <a:prstGeom prst="rect">
+            <a:avLst/>
+          </a:prstGeom>
+          <a:ln w="127000" cap="sq" cmpd="thinThick">
+            <a:noFill/>
+          </a:ln>
+        </p:spPr>
+        <p:style>
+          <a:lnRef idx="2">
+            <a:schemeClr val="accent1">
+              <a:shade val="50000"/>
+            </a:schemeClr>
+          </a:lnRef>
+          <a:fillRef idx="1">
+            <a:schemeClr val="accent1"/>
+          </a:fillRef>
+          <a:effectRef idx="0">
+            <a:schemeClr val="accent1"/>
+          </a:effectRef>
+          <a:fontRef idx="minor">
+            <a:schemeClr val="lt1"/>
+          </a:fontRef>
+        </p:style>
+        <p:txBody>
+          <a:bodyPr rtlCol="0" anchor="ctr"/>
+          <a:lstStyle/>
+          <a:p>
+            <a:pPr algn="ctr"/>
+            <a:endParaRPr lang="en-US"/>
+          </a:p>
+        </p:txBody>
+      </p:sp>
+      <p:cxnSp>
+        <p:nvCxnSpPr>
+          <p:cNvPr id="12" name="Straight Connector 11">
+            <a:extLst>
+              <a:ext uri="{FF2B5EF4-FFF2-40B4-BE49-F238E27FC236}">
+                <a16:creationId xmlns:a16="http://schemas.microsoft.com/office/drawing/2014/main" id="{6B9695BD-ECF6-49CA-8877-8C493193C65D}"/>
+              </a:ext>
+              <a:ext uri="{C183D7F6-B498-43B3-948B-1728B52AA6E4}">
+                <adec:decorative xmlns:adec="http://schemas.microsoft.com/office/drawing/2017/decorative" val="1"/>
+              </a:ext>
+            </a:extLst>
+          </p:cNvPr>
+          <p:cNvCxnSpPr>
+            <a:cxnSpLocks noGrp="1" noRot="1" noChangeAspect="1" noMove="1" noResize="1" noEditPoints="1" noAdjustHandles="1" noChangeArrowheads="1" noChangeShapeType="1"/>
+          </p:cNvCxnSpPr>
+          <p:nvPr>
+            <p:extLst>
+              <p:ext uri="{386F3935-93C4-4BCD-93E2-E3B085C9AB24}">
+                <p16:designElem xmlns:p16="http://schemas.microsoft.com/office/powerpoint/2015/main" val="1"/>
+              </p:ext>
+            </p:extLst>
+          </p:nvPr>
+        </p:nvCxnSpPr>
+        <p:spPr>
+          <a:xfrm>
+            <a:off x="4654295" y="1828800"/>
+            <a:ext cx="0" cy="3200400"/>
+          </a:xfrm>
+          <a:prstGeom prst="line">
+            <a:avLst/>
+          </a:prstGeom>
+          <a:ln w="19050">
+            <a:solidFill>
+              <a:schemeClr val="bg2">
+                <a:lumMod val="60000"/>
+                <a:lumOff val="40000"/>
+              </a:schemeClr>
+            </a:solidFill>
+          </a:ln>
+        </p:spPr>
+        <p:style>
+          <a:lnRef idx="1">
+            <a:schemeClr val="accent1"/>
+          </a:lnRef>
+          <a:fillRef idx="0">
+            <a:schemeClr val="accent1"/>
+          </a:fillRef>
+          <a:effectRef idx="0">
+            <a:schemeClr val="accent1"/>
+          </a:effectRef>
+          <a:fontRef idx="minor">
+            <a:schemeClr val="tx1"/>
+          </a:fontRef>
+        </p:style>
+      </p:cxnSp>
+      <p:pic>
+        <p:nvPicPr>
+          <p:cNvPr id="14" name="Picture 13">
+            <a:extLst>
+              <a:ext uri="{FF2B5EF4-FFF2-40B4-BE49-F238E27FC236}">
+                <a16:creationId xmlns:a16="http://schemas.microsoft.com/office/drawing/2014/main" id="{3BC6EBB2-9BDC-4075-BA6B-43A9FBF9C86C}"/>
+              </a:ext>
+              <a:ext uri="{C183D7F6-B498-43B3-948B-1728B52AA6E4}">
+                <adec:decorative xmlns:adec="http://schemas.microsoft.com/office/drawing/2017/decorative" val="1"/>
+              </a:ext>
+            </a:extLst>
+          </p:cNvPr>
+          <p:cNvPicPr>
+            <a:picLocks noGrp="1" noRot="1" noChangeAspect="1" noMove="1" noResize="1" noEditPoints="1" noAdjustHandles="1" noChangeArrowheads="1" noChangeShapeType="1" noCrop="1"/>
+          </p:cNvPicPr>
+          <p:nvPr>
+            <p:extLst>
+              <p:ext uri="{386F3935-93C4-4BCD-93E2-E3B085C9AB24}">
+                <p16:designElem xmlns:p16="http://schemas.microsoft.com/office/powerpoint/2015/main" val="1"/>
+              </p:ext>
+            </p:extLst>
+          </p:nvPr>
+        </p:nvPicPr>
+        <p:blipFill rotWithShape="1">
+          <a:blip r:embed="rId3">
+            <a:extLst>
+              <a:ext uri="{28A0092B-C50C-407E-A947-70E740481C1C}">
+                <a14:useLocalDpi xmlns:a14="http://schemas.microsoft.com/office/drawing/2010/main" val="0"/>
+              </a:ext>
+            </a:extLst>
+          </a:blip>
+          <a:srcRect b="23320"/>
+          <a:stretch/>
+        </p:blipFill>
+        <p:spPr>
+          <a:xfrm>
+            <a:off x="8605878" y="6228080"/>
+            <a:ext cx="993734" cy="762000"/>
+          </a:xfrm>
+          <a:prstGeom prst="rect">
+            <a:avLst/>
+          </a:prstGeom>
+        </p:spPr>
+      </p:pic>
+      <p:sp>
+        <p:nvSpPr>
+          <p:cNvPr id="16" name="Freeform 5">
+            <a:extLst>
+              <a:ext uri="{FF2B5EF4-FFF2-40B4-BE49-F238E27FC236}">
+                <a16:creationId xmlns:a16="http://schemas.microsoft.com/office/drawing/2014/main" id="{F3798573-F27B-47EB-8EA4-7EE34954C2D6}"/>
+              </a:ext>
+              <a:ext uri="{C183D7F6-B498-43B3-948B-1728B52AA6E4}">
+                <adec:decorative xmlns:adec="http://schemas.microsoft.com/office/drawing/2017/decorative" val="1"/>
+              </a:ext>
+            </a:extLst>
+          </p:cNvPr>
+          <p:cNvSpPr>
+            <a:spLocks noGrp="1" noRot="1" noChangeAspect="1" noMove="1" noResize="1" noEditPoints="1" noAdjustHandles="1" noChangeArrowheads="1" noChangeShapeType="1" noTextEdit="1"/>
+          </p:cNvSpPr>
+          <p:nvPr>
+            <p:extLst>
+              <p:ext uri="{386F3935-93C4-4BCD-93E2-E3B085C9AB24}">
+                <p16:designElem xmlns:p16="http://schemas.microsoft.com/office/powerpoint/2015/main" val="1"/>
+              </p:ext>
+            </p:extLst>
+          </p:nvPr>
+        </p:nvSpPr>
+        <p:spPr bwMode="gray">
+          <a:xfrm>
+            <a:off x="-1588" y="0"/>
+            <a:ext cx="12192000" cy="6856413"/>
+          </a:xfrm>
+          <a:custGeom>
+            <a:avLst/>
+            <a:gdLst/>
+            <a:ahLst/>
+            <a:cxnLst/>
+            <a:rect l="0" t="0" r="r" b="b"/>
+            <a:pathLst>
+              <a:path w="15356" h="8638">
+                <a:moveTo>
+                  <a:pt x="0" y="0"/>
+                </a:moveTo>
+                <a:lnTo>
+                  <a:pt x="0" y="8638"/>
+                </a:lnTo>
+                <a:lnTo>
+                  <a:pt x="15356" y="8638"/>
+                </a:lnTo>
+                <a:lnTo>
+                  <a:pt x="15356" y="0"/>
+                </a:lnTo>
+                <a:lnTo>
+                  <a:pt x="0" y="0"/>
+                </a:lnTo>
+                <a:close/>
+                <a:moveTo>
+                  <a:pt x="14748" y="8038"/>
+                </a:moveTo>
+                <a:lnTo>
+                  <a:pt x="600" y="8038"/>
+                </a:lnTo>
+                <a:lnTo>
+                  <a:pt x="600" y="592"/>
+                </a:lnTo>
+                <a:lnTo>
+                  <a:pt x="14748" y="592"/>
+                </a:lnTo>
+                <a:lnTo>
+                  <a:pt x="14748" y="8038"/>
+                </a:lnTo>
+                <a:close/>
+              </a:path>
+            </a:pathLst>
+          </a:custGeom>
+          <a:solidFill>
+            <a:schemeClr val="tx1"/>
+          </a:solidFill>
+          <a:ln>
+            <a:noFill/>
+          </a:ln>
+        </p:spPr>
+        <p:txBody>
+          <a:bodyPr/>
+          <a:lstStyle/>
+          <a:p>
+            <a:endParaRPr lang="en-US"/>
+          </a:p>
+        </p:txBody>
+      </p:sp>
+      <p:sp>
+        <p:nvSpPr>
+          <p:cNvPr id="2" name="Title 1">
+            <a:extLst>
+              <a:ext uri="{FF2B5EF4-FFF2-40B4-BE49-F238E27FC236}">
+                <a16:creationId xmlns:a16="http://schemas.microsoft.com/office/drawing/2014/main" id="{8BB13D1D-0F4B-8653-6155-3574E9A41624}"/>
+              </a:ext>
+            </a:extLst>
+          </p:cNvPr>
+          <p:cNvSpPr>
+            <a:spLocks noGrp="1"/>
+          </p:cNvSpPr>
+          <p:nvPr>
+            <p:ph type="title"/>
+          </p:nvPr>
+        </p:nvSpPr>
+        <p:spPr>
+          <a:xfrm>
+            <a:off x="806195" y="804672"/>
+            <a:ext cx="3521359" cy="5248656"/>
+          </a:xfrm>
+        </p:spPr>
+        <p:txBody>
+          <a:bodyPr anchor="ctr">
+            <a:normAutofit/>
+          </a:bodyPr>
+          <a:lstStyle/>
+          <a:p>
+            <a:pPr algn="ctr"/>
+            <a:r>
+              <a:rPr lang="en-US" dirty="0"/>
+              <a:t>Conclusion</a:t>
+            </a:r>
+            <a:br>
+              <a:rPr lang="en-US" dirty="0"/>
+            </a:br>
+            <a:endParaRPr lang="en-US"/>
+          </a:p>
+        </p:txBody>
+      </p:sp>
+      <p:sp>
+        <p:nvSpPr>
+          <p:cNvPr id="7" name="Content Placeholder 2">
+            <a:extLst>
+              <a:ext uri="{FF2B5EF4-FFF2-40B4-BE49-F238E27FC236}">
+                <a16:creationId xmlns:a16="http://schemas.microsoft.com/office/drawing/2014/main" id="{707CA038-A5B2-E250-03CD-1362293944C9}"/>
+              </a:ext>
+            </a:extLst>
+          </p:cNvPr>
+          <p:cNvSpPr>
+            <a:spLocks noGrp="1"/>
+          </p:cNvSpPr>
+          <p:nvPr>
+            <p:ph idx="1"/>
+          </p:nvPr>
+        </p:nvSpPr>
+        <p:spPr>
+          <a:xfrm>
+            <a:off x="4975861" y="804671"/>
+            <a:ext cx="6399930" cy="5248657"/>
+          </a:xfrm>
+        </p:spPr>
+        <p:txBody>
+          <a:bodyPr anchor="ctr">
+            <a:normAutofit/>
+          </a:bodyPr>
+          <a:lstStyle/>
+          <a:p>
+            <a:r>
+              <a:rPr lang="en-US"/>
+              <a:t>The Decentralized Charity Donation Platform provides a secure and transparent fundraising option for charities.</a:t>
+            </a:r>
+          </a:p>
+          <a:p>
+            <a:r>
+              <a:rPr lang="en-US"/>
+              <a:t>Using blockchain technology, the platform assures that all transactions are immutable and traceable, giving donors trust in the donation process.</a:t>
+            </a:r>
+          </a:p>
+          <a:p>
+            <a:r>
+              <a:rPr lang="en-US"/>
+              <a:t>This project demonstrates how decentralized applications can improve trust and accountability in the charity sector.</a:t>
+            </a:r>
+          </a:p>
+        </p:txBody>
+      </p:sp>
+    </p:spTree>
+    <p:extLst>
+      <p:ext uri="{BB962C8B-B14F-4D97-AF65-F5344CB8AC3E}">
+        <p14:creationId xmlns:p14="http://schemas.microsoft.com/office/powerpoint/2010/main" val="3352061146"/>
+      </p:ext>
+    </p:extLst>
+  </p:cSld>
+  <p:clrMapOvr>
+    <a:masterClrMapping/>
+  </p:clrMapOvr>
+</p:sld>
+</file>
+
 <file path=ppt/slides/slide2.xml><?xml version="1.0" encoding="utf-8"?>
 <p:sld xmlns:a="http://schemas.openxmlformats.org/drawingml/2006/main" xmlns:r="http://schemas.openxmlformats.org/officeDocument/2006/relationships" xmlns:p="http://schemas.openxmlformats.org/presentationml/2006/main">
   <p:cSld>
@@ -16055,6 +17704,1295 @@
 </file>
 
 <file path=ppt/slides/slide3.xml><?xml version="1.0" encoding="utf-8"?>
+<p:sld xmlns:a="http://schemas.openxmlformats.org/drawingml/2006/main" xmlns:r="http://schemas.openxmlformats.org/officeDocument/2006/relationships" xmlns:p="http://schemas.openxmlformats.org/presentationml/2006/main">
+  <p:cSld>
+    <p:bg>
+      <p:bgPr>
+        <a:blipFill rotWithShape="1">
+          <a:blip r:embed="rId2">
+            <a:duotone>
+              <a:schemeClr val="bg2">
+                <a:shade val="69000"/>
+                <a:hueMod val="108000"/>
+                <a:satMod val="164000"/>
+                <a:lumMod val="74000"/>
+              </a:schemeClr>
+              <a:schemeClr val="bg2">
+                <a:tint val="96000"/>
+                <a:hueMod val="88000"/>
+                <a:satMod val="140000"/>
+                <a:lumMod val="132000"/>
+              </a:schemeClr>
+            </a:duotone>
+          </a:blip>
+          <a:stretch/>
+        </a:blipFill>
+        <a:effectLst/>
+      </p:bgPr>
+    </p:bg>
+    <p:spTree>
+      <p:nvGrpSpPr>
+        <p:cNvPr id="1" name=""/>
+        <p:cNvGrpSpPr/>
+        <p:nvPr/>
+      </p:nvGrpSpPr>
+      <p:grpSpPr>
+        <a:xfrm>
+          <a:off x="0" y="0"/>
+          <a:ext cx="0" cy="0"/>
+          <a:chOff x="0" y="0"/>
+          <a:chExt cx="0" cy="0"/>
+        </a:xfrm>
+      </p:grpSpPr>
+      <p:sp>
+        <p:nvSpPr>
+          <p:cNvPr id="14" name="Rectangle 13">
+            <a:extLst>
+              <a:ext uri="{FF2B5EF4-FFF2-40B4-BE49-F238E27FC236}">
+                <a16:creationId xmlns:a16="http://schemas.microsoft.com/office/drawing/2014/main" id="{C8A3C342-1D03-412F-8DD3-BF519E8E0AE9}"/>
+              </a:ext>
+              <a:ext uri="{C183D7F6-B498-43B3-948B-1728B52AA6E4}">
+                <adec:decorative xmlns:adec="http://schemas.microsoft.com/office/drawing/2017/decorative" val="1"/>
+              </a:ext>
+            </a:extLst>
+          </p:cNvPr>
+          <p:cNvSpPr>
+            <a:spLocks noGrp="1" noRot="1" noChangeAspect="1" noMove="1" noResize="1" noEditPoints="1" noAdjustHandles="1" noChangeArrowheads="1" noChangeShapeType="1" noTextEdit="1"/>
+          </p:cNvSpPr>
+          <p:nvPr>
+            <p:extLst>
+              <p:ext uri="{386F3935-93C4-4BCD-93E2-E3B085C9AB24}">
+                <p16:designElem xmlns:p16="http://schemas.microsoft.com/office/powerpoint/2015/main" val="1"/>
+              </p:ext>
+            </p:extLst>
+          </p:nvPr>
+        </p:nvSpPr>
+        <p:spPr>
+          <a:xfrm>
+            <a:off x="0" y="0"/>
+            <a:ext cx="12192000" cy="6858000"/>
+          </a:xfrm>
+          <a:prstGeom prst="rect">
+            <a:avLst/>
+          </a:prstGeom>
+          <a:ln>
+            <a:noFill/>
+          </a:ln>
+        </p:spPr>
+        <p:style>
+          <a:lnRef idx="2">
+            <a:schemeClr val="accent1">
+              <a:shade val="50000"/>
+            </a:schemeClr>
+          </a:lnRef>
+          <a:fillRef idx="1003">
+            <a:schemeClr val="dk2"/>
+          </a:fillRef>
+          <a:effectRef idx="0">
+            <a:schemeClr val="accent1"/>
+          </a:effectRef>
+          <a:fontRef idx="minor">
+            <a:schemeClr val="lt1"/>
+          </a:fontRef>
+        </p:style>
+        <p:txBody>
+          <a:bodyPr rtlCol="0" anchor="ctr"/>
+          <a:lstStyle/>
+          <a:p>
+            <a:pPr algn="ctr"/>
+            <a:endParaRPr lang="en-US"/>
+          </a:p>
+        </p:txBody>
+      </p:sp>
+      <p:sp>
+        <p:nvSpPr>
+          <p:cNvPr id="2" name="Title 1">
+            <a:extLst>
+              <a:ext uri="{FF2B5EF4-FFF2-40B4-BE49-F238E27FC236}">
+                <a16:creationId xmlns:a16="http://schemas.microsoft.com/office/drawing/2014/main" id="{A7D58387-C331-BA57-C250-F2419CE8C7B1}"/>
+              </a:ext>
+            </a:extLst>
+          </p:cNvPr>
+          <p:cNvSpPr>
+            <a:spLocks noGrp="1"/>
+          </p:cNvSpPr>
+          <p:nvPr>
+            <p:ph type="title"/>
+          </p:nvPr>
+        </p:nvSpPr>
+        <p:spPr>
+          <a:xfrm>
+            <a:off x="5411931" y="452718"/>
+            <a:ext cx="4638903" cy="1400530"/>
+          </a:xfrm>
+        </p:spPr>
+        <p:txBody>
+          <a:bodyPr>
+            <a:normAutofit/>
+          </a:bodyPr>
+          <a:lstStyle/>
+          <a:p>
+            <a:r>
+              <a:rPr lang="en-US"/>
+              <a:t>Problem Statement</a:t>
+            </a:r>
+            <a:endParaRPr lang="en-US" dirty="0"/>
+          </a:p>
+        </p:txBody>
+      </p:sp>
+      <p:sp>
+        <p:nvSpPr>
+          <p:cNvPr id="15" name="Freeform 31">
+            <a:extLst>
+              <a:ext uri="{FF2B5EF4-FFF2-40B4-BE49-F238E27FC236}">
+                <a16:creationId xmlns:a16="http://schemas.microsoft.com/office/drawing/2014/main" id="{81CC9B02-E087-4350-AEBD-2C3CF001AF01}"/>
+              </a:ext>
+              <a:ext uri="{C183D7F6-B498-43B3-948B-1728B52AA6E4}">
+                <adec:decorative xmlns:adec="http://schemas.microsoft.com/office/drawing/2017/decorative" val="1"/>
+              </a:ext>
+            </a:extLst>
+          </p:cNvPr>
+          <p:cNvSpPr>
+            <a:spLocks noGrp="1" noRot="1" noChangeAspect="1" noMove="1" noResize="1" noEditPoints="1" noAdjustHandles="1" noChangeArrowheads="1" noChangeShapeType="1" noTextEdit="1"/>
+          </p:cNvSpPr>
+          <p:nvPr>
+            <p:extLst>
+              <p:ext uri="{386F3935-93C4-4BCD-93E2-E3B085C9AB24}">
+                <p16:designElem xmlns:p16="http://schemas.microsoft.com/office/powerpoint/2015/main" val="1"/>
+              </p:ext>
+            </p:extLst>
+          </p:nvPr>
+        </p:nvSpPr>
+        <p:spPr>
+          <a:xfrm flipH="1">
+            <a:off x="4628375" y="-1573"/>
+            <a:ext cx="559472" cy="3709642"/>
+          </a:xfrm>
+          <a:custGeom>
+            <a:avLst/>
+            <a:gdLst>
+              <a:gd name="connsiteX0" fmla="*/ 0 w 559472"/>
+              <a:gd name="connsiteY0" fmla="*/ 0 h 3709642"/>
+              <a:gd name="connsiteX1" fmla="*/ 473952 w 559472"/>
+              <a:gd name="connsiteY1" fmla="*/ 0 h 3709642"/>
+              <a:gd name="connsiteX2" fmla="*/ 485840 w 559472"/>
+              <a:gd name="connsiteY2" fmla="*/ 161194 h 3709642"/>
+              <a:gd name="connsiteX3" fmla="*/ 523949 w 559472"/>
+              <a:gd name="connsiteY3" fmla="*/ 3672197 h 3709642"/>
+              <a:gd name="connsiteX4" fmla="*/ 454748 w 559472"/>
+              <a:gd name="connsiteY4" fmla="*/ 3709642 h 3709642"/>
+              <a:gd name="connsiteX5" fmla="*/ 448224 w 559472"/>
+              <a:gd name="connsiteY5" fmla="*/ 3510471 h 3709642"/>
+              <a:gd name="connsiteX6" fmla="*/ 443564 w 559472"/>
+              <a:gd name="connsiteY6" fmla="*/ 3408563 h 3709642"/>
+              <a:gd name="connsiteX7" fmla="*/ 438902 w 559472"/>
+              <a:gd name="connsiteY7" fmla="*/ 3304407 h 3709642"/>
+              <a:gd name="connsiteX8" fmla="*/ 433941 w 559472"/>
+              <a:gd name="connsiteY8" fmla="*/ 3198777 h 3709642"/>
+              <a:gd name="connsiteX9" fmla="*/ 427584 w 559472"/>
+              <a:gd name="connsiteY9" fmla="*/ 3092510 h 3709642"/>
+              <a:gd name="connsiteX10" fmla="*/ 420988 w 559472"/>
+              <a:gd name="connsiteY10" fmla="*/ 2984390 h 3709642"/>
+              <a:gd name="connsiteX11" fmla="*/ 414330 w 559472"/>
+              <a:gd name="connsiteY11" fmla="*/ 2874401 h 3709642"/>
+              <a:gd name="connsiteX12" fmla="*/ 406840 w 559472"/>
+              <a:gd name="connsiteY12" fmla="*/ 2762980 h 3709642"/>
+              <a:gd name="connsiteX13" fmla="*/ 397745 w 559472"/>
+              <a:gd name="connsiteY13" fmla="*/ 2650566 h 3709642"/>
+              <a:gd name="connsiteX14" fmla="*/ 389154 w 559472"/>
+              <a:gd name="connsiteY14" fmla="*/ 2536612 h 3709642"/>
+              <a:gd name="connsiteX15" fmla="*/ 379225 w 559472"/>
+              <a:gd name="connsiteY15" fmla="*/ 2421642 h 3709642"/>
+              <a:gd name="connsiteX16" fmla="*/ 368316 w 559472"/>
+              <a:gd name="connsiteY16" fmla="*/ 2305627 h 3709642"/>
+              <a:gd name="connsiteX17" fmla="*/ 357466 w 559472"/>
+              <a:gd name="connsiteY17" fmla="*/ 2189233 h 3709642"/>
+              <a:gd name="connsiteX18" fmla="*/ 344982 w 559472"/>
+              <a:gd name="connsiteY18" fmla="*/ 2071473 h 3709642"/>
+              <a:gd name="connsiteX19" fmla="*/ 332466 w 559472"/>
+              <a:gd name="connsiteY19" fmla="*/ 1952216 h 3709642"/>
+              <a:gd name="connsiteX20" fmla="*/ 319121 w 559472"/>
+              <a:gd name="connsiteY20" fmla="*/ 1833776 h 3709642"/>
+              <a:gd name="connsiteX21" fmla="*/ 304408 w 559472"/>
+              <a:gd name="connsiteY21" fmla="*/ 1713948 h 3709642"/>
+              <a:gd name="connsiteX22" fmla="*/ 288685 w 559472"/>
+              <a:gd name="connsiteY22" fmla="*/ 1592703 h 3709642"/>
+              <a:gd name="connsiteX23" fmla="*/ 273050 w 559472"/>
+              <a:gd name="connsiteY23" fmla="*/ 1471451 h 3709642"/>
+              <a:gd name="connsiteX24" fmla="*/ 255813 w 559472"/>
+              <a:gd name="connsiteY24" fmla="*/ 1350328 h 3709642"/>
+              <a:gd name="connsiteX25" fmla="*/ 237060 w 559472"/>
+              <a:gd name="connsiteY25" fmla="*/ 1227080 h 3709642"/>
+              <a:gd name="connsiteX26" fmla="*/ 218488 w 559472"/>
+              <a:gd name="connsiteY26" fmla="*/ 1106065 h 3709642"/>
+              <a:gd name="connsiteX27" fmla="*/ 198221 w 559472"/>
+              <a:gd name="connsiteY27" fmla="*/ 982940 h 3709642"/>
+              <a:gd name="connsiteX28" fmla="*/ 177152 w 559472"/>
+              <a:gd name="connsiteY28" fmla="*/ 858755 h 3709642"/>
+              <a:gd name="connsiteX29" fmla="*/ 155551 w 559472"/>
+              <a:gd name="connsiteY29" fmla="*/ 736861 h 3709642"/>
+              <a:gd name="connsiteX30" fmla="*/ 131782 w 559472"/>
+              <a:gd name="connsiteY30" fmla="*/ 613645 h 3709642"/>
+              <a:gd name="connsiteX31" fmla="*/ 107123 w 559472"/>
+              <a:gd name="connsiteY31" fmla="*/ 490500 h 3709642"/>
+              <a:gd name="connsiteX32" fmla="*/ 82552 w 559472"/>
+              <a:gd name="connsiteY32" fmla="*/ 367348 h 3709642"/>
+              <a:gd name="connsiteX33" fmla="*/ 55608 w 559472"/>
+              <a:gd name="connsiteY33" fmla="*/ 244762 h 3709642"/>
+              <a:gd name="connsiteX34" fmla="*/ 28130 w 559472"/>
+              <a:gd name="connsiteY34" fmla="*/ 122220 h 3709642"/>
+              <a:gd name="connsiteX35" fmla="*/ 0 w 559472"/>
+              <a:gd name="connsiteY35" fmla="*/ 0 h 3709642"/>
+            </a:gdLst>
+            <a:ahLst/>
+            <a:cxnLst>
+              <a:cxn ang="0">
+                <a:pos x="connsiteX0" y="connsiteY0"/>
+              </a:cxn>
+              <a:cxn ang="0">
+                <a:pos x="connsiteX1" y="connsiteY1"/>
+              </a:cxn>
+              <a:cxn ang="0">
+                <a:pos x="connsiteX2" y="connsiteY2"/>
+              </a:cxn>
+              <a:cxn ang="0">
+                <a:pos x="connsiteX3" y="connsiteY3"/>
+              </a:cxn>
+              <a:cxn ang="0">
+                <a:pos x="connsiteX4" y="connsiteY4"/>
+              </a:cxn>
+              <a:cxn ang="0">
+                <a:pos x="connsiteX5" y="connsiteY5"/>
+              </a:cxn>
+              <a:cxn ang="0">
+                <a:pos x="connsiteX6" y="connsiteY6"/>
+              </a:cxn>
+              <a:cxn ang="0">
+                <a:pos x="connsiteX7" y="connsiteY7"/>
+              </a:cxn>
+              <a:cxn ang="0">
+                <a:pos x="connsiteX8" y="connsiteY8"/>
+              </a:cxn>
+              <a:cxn ang="0">
+                <a:pos x="connsiteX9" y="connsiteY9"/>
+              </a:cxn>
+              <a:cxn ang="0">
+                <a:pos x="connsiteX10" y="connsiteY10"/>
+              </a:cxn>
+              <a:cxn ang="0">
+                <a:pos x="connsiteX11" y="connsiteY11"/>
+              </a:cxn>
+              <a:cxn ang="0">
+                <a:pos x="connsiteX12" y="connsiteY12"/>
+              </a:cxn>
+              <a:cxn ang="0">
+                <a:pos x="connsiteX13" y="connsiteY13"/>
+              </a:cxn>
+              <a:cxn ang="0">
+                <a:pos x="connsiteX14" y="connsiteY14"/>
+              </a:cxn>
+              <a:cxn ang="0">
+                <a:pos x="connsiteX15" y="connsiteY15"/>
+              </a:cxn>
+              <a:cxn ang="0">
+                <a:pos x="connsiteX16" y="connsiteY16"/>
+              </a:cxn>
+              <a:cxn ang="0">
+                <a:pos x="connsiteX17" y="connsiteY17"/>
+              </a:cxn>
+              <a:cxn ang="0">
+                <a:pos x="connsiteX18" y="connsiteY18"/>
+              </a:cxn>
+              <a:cxn ang="0">
+                <a:pos x="connsiteX19" y="connsiteY19"/>
+              </a:cxn>
+              <a:cxn ang="0">
+                <a:pos x="connsiteX20" y="connsiteY20"/>
+              </a:cxn>
+              <a:cxn ang="0">
+                <a:pos x="connsiteX21" y="connsiteY21"/>
+              </a:cxn>
+              <a:cxn ang="0">
+                <a:pos x="connsiteX22" y="connsiteY22"/>
+              </a:cxn>
+              <a:cxn ang="0">
+                <a:pos x="connsiteX23" y="connsiteY23"/>
+              </a:cxn>
+              <a:cxn ang="0">
+                <a:pos x="connsiteX24" y="connsiteY24"/>
+              </a:cxn>
+              <a:cxn ang="0">
+                <a:pos x="connsiteX25" y="connsiteY25"/>
+              </a:cxn>
+              <a:cxn ang="0">
+                <a:pos x="connsiteX26" y="connsiteY26"/>
+              </a:cxn>
+              <a:cxn ang="0">
+                <a:pos x="connsiteX27" y="connsiteY27"/>
+              </a:cxn>
+              <a:cxn ang="0">
+                <a:pos x="connsiteX28" y="connsiteY28"/>
+              </a:cxn>
+              <a:cxn ang="0">
+                <a:pos x="connsiteX29" y="connsiteY29"/>
+              </a:cxn>
+              <a:cxn ang="0">
+                <a:pos x="connsiteX30" y="connsiteY30"/>
+              </a:cxn>
+              <a:cxn ang="0">
+                <a:pos x="connsiteX31" y="connsiteY31"/>
+              </a:cxn>
+              <a:cxn ang="0">
+                <a:pos x="connsiteX32" y="connsiteY32"/>
+              </a:cxn>
+              <a:cxn ang="0">
+                <a:pos x="connsiteX33" y="connsiteY33"/>
+              </a:cxn>
+              <a:cxn ang="0">
+                <a:pos x="connsiteX34" y="connsiteY34"/>
+              </a:cxn>
+              <a:cxn ang="0">
+                <a:pos x="connsiteX35" y="connsiteY35"/>
+              </a:cxn>
+            </a:cxnLst>
+            <a:rect l="l" t="t" r="r" b="b"/>
+            <a:pathLst>
+              <a:path w="559472" h="3709642">
+                <a:moveTo>
+                  <a:pt x="0" y="0"/>
+                </a:moveTo>
+                <a:lnTo>
+                  <a:pt x="473952" y="0"/>
+                </a:lnTo>
+                <a:lnTo>
+                  <a:pt x="485840" y="161194"/>
+                </a:lnTo>
+                <a:cubicBezTo>
+                  <a:pt x="552063" y="1147770"/>
+                  <a:pt x="592441" y="3086737"/>
+                  <a:pt x="523949" y="3672197"/>
+                </a:cubicBezTo>
+                <a:cubicBezTo>
+                  <a:pt x="500842" y="3684557"/>
+                  <a:pt x="477855" y="3697282"/>
+                  <a:pt x="454748" y="3709642"/>
+                </a:cubicBezTo>
+                <a:lnTo>
+                  <a:pt x="448224" y="3510471"/>
+                </a:lnTo>
+                <a:lnTo>
+                  <a:pt x="443564" y="3408563"/>
+                </a:lnTo>
+                <a:lnTo>
+                  <a:pt x="438902" y="3304407"/>
+                </a:lnTo>
+                <a:lnTo>
+                  <a:pt x="433941" y="3198777"/>
+                </a:lnTo>
+                <a:lnTo>
+                  <a:pt x="427584" y="3092510"/>
+                </a:lnTo>
+                <a:lnTo>
+                  <a:pt x="420988" y="2984390"/>
+                </a:lnTo>
+                <a:lnTo>
+                  <a:pt x="414330" y="2874401"/>
+                </a:lnTo>
+                <a:lnTo>
+                  <a:pt x="406840" y="2762980"/>
+                </a:lnTo>
+                <a:lnTo>
+                  <a:pt x="397745" y="2650566"/>
+                </a:lnTo>
+                <a:lnTo>
+                  <a:pt x="389154" y="2536612"/>
+                </a:lnTo>
+                <a:lnTo>
+                  <a:pt x="379225" y="2421642"/>
+                </a:lnTo>
+                <a:lnTo>
+                  <a:pt x="368316" y="2305627"/>
+                </a:lnTo>
+                <a:lnTo>
+                  <a:pt x="357466" y="2189233"/>
+                </a:lnTo>
+                <a:lnTo>
+                  <a:pt x="344982" y="2071473"/>
+                </a:lnTo>
+                <a:lnTo>
+                  <a:pt x="332466" y="1952216"/>
+                </a:lnTo>
+                <a:lnTo>
+                  <a:pt x="319121" y="1833776"/>
+                </a:lnTo>
+                <a:lnTo>
+                  <a:pt x="304408" y="1713948"/>
+                </a:lnTo>
+                <a:lnTo>
+                  <a:pt x="288685" y="1592703"/>
+                </a:lnTo>
+                <a:lnTo>
+                  <a:pt x="273050" y="1471451"/>
+                </a:lnTo>
+                <a:lnTo>
+                  <a:pt x="255813" y="1350328"/>
+                </a:lnTo>
+                <a:lnTo>
+                  <a:pt x="237060" y="1227080"/>
+                </a:lnTo>
+                <a:lnTo>
+                  <a:pt x="218488" y="1106065"/>
+                </a:lnTo>
+                <a:lnTo>
+                  <a:pt x="198221" y="982940"/>
+                </a:lnTo>
+                <a:lnTo>
+                  <a:pt x="177152" y="858755"/>
+                </a:lnTo>
+                <a:lnTo>
+                  <a:pt x="155551" y="736861"/>
+                </a:lnTo>
+                <a:lnTo>
+                  <a:pt x="131782" y="613645"/>
+                </a:lnTo>
+                <a:lnTo>
+                  <a:pt x="107123" y="490500"/>
+                </a:lnTo>
+                <a:lnTo>
+                  <a:pt x="82552" y="367348"/>
+                </a:lnTo>
+                <a:lnTo>
+                  <a:pt x="55608" y="244762"/>
+                </a:lnTo>
+                <a:lnTo>
+                  <a:pt x="28130" y="122220"/>
+                </a:lnTo>
+                <a:lnTo>
+                  <a:pt x="0" y="0"/>
+                </a:lnTo>
+                <a:close/>
+              </a:path>
+            </a:pathLst>
+          </a:custGeom>
+          <a:solidFill>
+            <a:schemeClr val="tx1">
+              <a:alpha val="20000"/>
+            </a:schemeClr>
+          </a:solidFill>
+          <a:ln>
+            <a:noFill/>
+          </a:ln>
+        </p:spPr>
+        <p:txBody>
+          <a:bodyPr rtlCol="0" anchor="ctr"/>
+          <a:lstStyle/>
+          <a:p>
+            <a:pPr algn="ctr"/>
+            <a:endParaRPr lang="en-US"/>
+          </a:p>
+        </p:txBody>
+      </p:sp>
+      <p:pic>
+        <p:nvPicPr>
+          <p:cNvPr id="16" name="Picture 15" descr="People shaking hands">
+            <a:extLst>
+              <a:ext uri="{FF2B5EF4-FFF2-40B4-BE49-F238E27FC236}">
+                <a16:creationId xmlns:a16="http://schemas.microsoft.com/office/drawing/2014/main" id="{02515B36-E7FA-E90F-6130-15456242829C}"/>
+              </a:ext>
+            </a:extLst>
+          </p:cNvPr>
+          <p:cNvPicPr>
+            <a:picLocks noChangeAspect="1"/>
+          </p:cNvPicPr>
+          <p:nvPr/>
+        </p:nvPicPr>
+        <p:blipFill>
+          <a:blip r:embed="rId3"/>
+          <a:srcRect l="16977" r="28636"/>
+          <a:stretch/>
+        </p:blipFill>
+        <p:spPr>
+          <a:xfrm>
+            <a:off x="3" y="10"/>
+            <a:ext cx="4973099" cy="6857991"/>
+          </a:xfrm>
+          <a:custGeom>
+            <a:avLst/>
+            <a:gdLst/>
+            <a:ahLst/>
+            <a:cxnLst/>
+            <a:rect l="l" t="t" r="r" b="b"/>
+            <a:pathLst>
+              <a:path w="4973099" h="6858001">
+                <a:moveTo>
+                  <a:pt x="3628384" y="0"/>
+                </a:moveTo>
+                <a:lnTo>
+                  <a:pt x="4971922" y="0"/>
+                </a:lnTo>
+                <a:lnTo>
+                  <a:pt x="4946877" y="155677"/>
+                </a:lnTo>
+                <a:lnTo>
+                  <a:pt x="4923008" y="310668"/>
+                </a:lnTo>
+                <a:lnTo>
+                  <a:pt x="4899644" y="466344"/>
+                </a:lnTo>
+                <a:lnTo>
+                  <a:pt x="4879641" y="622707"/>
+                </a:lnTo>
+                <a:lnTo>
+                  <a:pt x="4859470" y="778383"/>
+                </a:lnTo>
+                <a:lnTo>
+                  <a:pt x="4840644" y="934746"/>
+                </a:lnTo>
+                <a:lnTo>
+                  <a:pt x="4824508" y="1089051"/>
+                </a:lnTo>
+                <a:lnTo>
+                  <a:pt x="4809212" y="1245413"/>
+                </a:lnTo>
+                <a:lnTo>
+                  <a:pt x="4795260" y="1401090"/>
+                </a:lnTo>
+                <a:lnTo>
+                  <a:pt x="4783158" y="1554023"/>
+                </a:lnTo>
+                <a:lnTo>
+                  <a:pt x="4771055" y="1709014"/>
+                </a:lnTo>
+                <a:lnTo>
+                  <a:pt x="4760970" y="1861947"/>
+                </a:lnTo>
+                <a:lnTo>
+                  <a:pt x="4753070" y="2014881"/>
+                </a:lnTo>
+                <a:lnTo>
+                  <a:pt x="4744833" y="2167128"/>
+                </a:lnTo>
+                <a:lnTo>
+                  <a:pt x="4737942" y="2318004"/>
+                </a:lnTo>
+                <a:lnTo>
+                  <a:pt x="4733067" y="2467509"/>
+                </a:lnTo>
+                <a:lnTo>
+                  <a:pt x="4728865" y="2617013"/>
+                </a:lnTo>
+                <a:lnTo>
+                  <a:pt x="4724831" y="2765146"/>
+                </a:lnTo>
+                <a:lnTo>
+                  <a:pt x="4722982" y="2911221"/>
+                </a:lnTo>
+                <a:lnTo>
+                  <a:pt x="4720965" y="3057297"/>
+                </a:lnTo>
+                <a:lnTo>
+                  <a:pt x="4719956" y="3201315"/>
+                </a:lnTo>
+                <a:lnTo>
+                  <a:pt x="4720965" y="3343961"/>
+                </a:lnTo>
+                <a:lnTo>
+                  <a:pt x="4720965" y="3485236"/>
+                </a:lnTo>
+                <a:lnTo>
+                  <a:pt x="4722982" y="3625139"/>
+                </a:lnTo>
+                <a:lnTo>
+                  <a:pt x="4726007" y="3762299"/>
+                </a:lnTo>
+                <a:lnTo>
+                  <a:pt x="4728865" y="3898087"/>
+                </a:lnTo>
+                <a:lnTo>
+                  <a:pt x="4732059" y="4031133"/>
+                </a:lnTo>
+                <a:lnTo>
+                  <a:pt x="4736933" y="4163492"/>
+                </a:lnTo>
+                <a:lnTo>
+                  <a:pt x="4742144" y="4293793"/>
+                </a:lnTo>
+                <a:lnTo>
+                  <a:pt x="4746850" y="4421352"/>
+                </a:lnTo>
+                <a:lnTo>
+                  <a:pt x="4760130" y="4670298"/>
+                </a:lnTo>
+                <a:lnTo>
+                  <a:pt x="4774249" y="4908956"/>
+                </a:lnTo>
+                <a:lnTo>
+                  <a:pt x="4789041" y="5138013"/>
+                </a:lnTo>
+                <a:lnTo>
+                  <a:pt x="4805346" y="5354726"/>
+                </a:lnTo>
+                <a:lnTo>
+                  <a:pt x="4822323" y="5561838"/>
+                </a:lnTo>
+                <a:lnTo>
+                  <a:pt x="4840644" y="5753862"/>
+                </a:lnTo>
+                <a:lnTo>
+                  <a:pt x="4858630" y="5934227"/>
+                </a:lnTo>
+                <a:lnTo>
+                  <a:pt x="4876615" y="6100191"/>
+                </a:lnTo>
+                <a:lnTo>
+                  <a:pt x="4893592" y="6252438"/>
+                </a:lnTo>
+                <a:lnTo>
+                  <a:pt x="4909729" y="6387541"/>
+                </a:lnTo>
+                <a:lnTo>
+                  <a:pt x="4925025" y="6509613"/>
+                </a:lnTo>
+                <a:lnTo>
+                  <a:pt x="4937800" y="6612483"/>
+                </a:lnTo>
+                <a:lnTo>
+                  <a:pt x="4949902" y="6698894"/>
+                </a:lnTo>
+                <a:lnTo>
+                  <a:pt x="4967216" y="6817538"/>
+                </a:lnTo>
+                <a:lnTo>
+                  <a:pt x="4973099" y="6858000"/>
+                </a:lnTo>
+                <a:lnTo>
+                  <a:pt x="4075210" y="6858000"/>
+                </a:lnTo>
+                <a:lnTo>
+                  <a:pt x="4075210" y="6858001"/>
+                </a:lnTo>
+                <a:lnTo>
+                  <a:pt x="0" y="6858001"/>
+                </a:lnTo>
+                <a:lnTo>
+                  <a:pt x="0" y="1"/>
+                </a:lnTo>
+                <a:lnTo>
+                  <a:pt x="3628384" y="1"/>
+                </a:lnTo>
+                <a:close/>
+              </a:path>
+            </a:pathLst>
+          </a:custGeom>
+        </p:spPr>
+      </p:pic>
+      <p:sp>
+        <p:nvSpPr>
+          <p:cNvPr id="13" name="Rectangle 12">
+            <a:extLst>
+              <a:ext uri="{FF2B5EF4-FFF2-40B4-BE49-F238E27FC236}">
+                <a16:creationId xmlns:a16="http://schemas.microsoft.com/office/drawing/2014/main" id="{D6F18ACE-6E82-4ADC-8A2F-A1771B309B16}"/>
+              </a:ext>
+              <a:ext uri="{C183D7F6-B498-43B3-948B-1728B52AA6E4}">
+                <adec:decorative xmlns:adec="http://schemas.microsoft.com/office/drawing/2017/decorative" val="1"/>
+              </a:ext>
+            </a:extLst>
+          </p:cNvPr>
+          <p:cNvSpPr>
+            <a:spLocks noGrp="1" noRot="1" noChangeAspect="1" noMove="1" noResize="1" noEditPoints="1" noAdjustHandles="1" noChangeArrowheads="1" noChangeShapeType="1" noTextEdit="1"/>
+          </p:cNvSpPr>
+          <p:nvPr>
+            <p:extLst>
+              <p:ext uri="{386F3935-93C4-4BCD-93E2-E3B085C9AB24}">
+                <p16:designElem xmlns:p16="http://schemas.microsoft.com/office/powerpoint/2015/main" val="1"/>
+              </p:ext>
+            </p:extLst>
+          </p:nvPr>
+        </p:nvSpPr>
+        <p:spPr>
+          <a:xfrm>
+            <a:off x="10442448" y="0"/>
+            <a:ext cx="685800" cy="1143000"/>
+          </a:xfrm>
+          <a:prstGeom prst="rect">
+            <a:avLst/>
+          </a:prstGeom>
+          <a:solidFill>
+            <a:schemeClr val="accent1"/>
+          </a:solidFill>
+          <a:ln>
+            <a:noFill/>
+          </a:ln>
+        </p:spPr>
+        <p:style>
+          <a:lnRef idx="1">
+            <a:schemeClr val="accent1"/>
+          </a:lnRef>
+          <a:fillRef idx="3">
+            <a:schemeClr val="accent1"/>
+          </a:fillRef>
+          <a:effectRef idx="2">
+            <a:schemeClr val="accent1"/>
+          </a:effectRef>
+          <a:fontRef idx="minor">
+            <a:schemeClr val="lt1"/>
+          </a:fontRef>
+        </p:style>
+        <p:txBody>
+          <a:bodyPr/>
+          <a:lstStyle/>
+          <a:p>
+            <a:endParaRPr lang="en-US"/>
+          </a:p>
+        </p:txBody>
+      </p:sp>
+      <p:sp>
+        <p:nvSpPr>
+          <p:cNvPr id="3" name="Content Placeholder 2">
+            <a:extLst>
+              <a:ext uri="{FF2B5EF4-FFF2-40B4-BE49-F238E27FC236}">
+                <a16:creationId xmlns:a16="http://schemas.microsoft.com/office/drawing/2014/main" id="{76018C60-3D63-2BFC-C684-0EBD254545AD}"/>
+              </a:ext>
+            </a:extLst>
+          </p:cNvPr>
+          <p:cNvSpPr>
+            <a:spLocks noGrp="1"/>
+          </p:cNvSpPr>
+          <p:nvPr>
+            <p:ph idx="1"/>
+          </p:nvPr>
+        </p:nvSpPr>
+        <p:spPr>
+          <a:xfrm>
+            <a:off x="5410950" y="2052918"/>
+            <a:ext cx="4638903" cy="4195481"/>
+          </a:xfrm>
+        </p:spPr>
+        <p:txBody>
+          <a:bodyPr>
+            <a:normAutofit/>
+          </a:bodyPr>
+          <a:lstStyle/>
+          <a:p>
+            <a:pPr>
+              <a:lnSpc>
+                <a:spcPct val="90000"/>
+              </a:lnSpc>
+            </a:pPr>
+            <a:r>
+              <a:rPr lang="en-US" dirty="0"/>
+              <a:t>Charity donations often lack transparency and accountability.</a:t>
+            </a:r>
+          </a:p>
+          <a:p>
+            <a:pPr>
+              <a:lnSpc>
+                <a:spcPct val="90000"/>
+              </a:lnSpc>
+            </a:pPr>
+            <a:r>
+              <a:rPr lang="en-US" dirty="0"/>
+              <a:t>Donors are unable to track how their contributions are used, leading to a lack of trust. </a:t>
+            </a:r>
+          </a:p>
+          <a:p>
+            <a:pPr>
+              <a:lnSpc>
+                <a:spcPct val="90000"/>
+              </a:lnSpc>
+            </a:pPr>
+            <a:r>
+              <a:rPr lang="en-US" dirty="0"/>
+              <a:t>Traditional systems involve intermediaries, increasing costs and delays.</a:t>
+            </a:r>
+          </a:p>
+          <a:p>
+            <a:pPr>
+              <a:lnSpc>
+                <a:spcPct val="90000"/>
+              </a:lnSpc>
+            </a:pPr>
+            <a:r>
+              <a:rPr lang="en-US" dirty="0"/>
+              <a:t> Fraud and fund mismanagement further discourage people from donating.</a:t>
+            </a:r>
+          </a:p>
+        </p:txBody>
+      </p:sp>
+    </p:spTree>
+    <p:extLst>
+      <p:ext uri="{BB962C8B-B14F-4D97-AF65-F5344CB8AC3E}">
+        <p14:creationId xmlns:p14="http://schemas.microsoft.com/office/powerpoint/2010/main" val="2405268424"/>
+      </p:ext>
+    </p:extLst>
+  </p:cSld>
+  <p:clrMapOvr>
+    <a:masterClrMapping/>
+  </p:clrMapOvr>
+</p:sld>
+</file>
+
+<file path=ppt/slides/slide4.xml><?xml version="1.0" encoding="utf-8"?>
+<p:sld xmlns:a="http://schemas.openxmlformats.org/drawingml/2006/main" xmlns:r="http://schemas.openxmlformats.org/officeDocument/2006/relationships" xmlns:p="http://schemas.openxmlformats.org/presentationml/2006/main">
+  <p:cSld>
+    <p:bg>
+      <p:bgPr>
+        <a:blipFill rotWithShape="1">
+          <a:blip r:embed="rId2">
+            <a:duotone>
+              <a:schemeClr val="bg2">
+                <a:shade val="69000"/>
+                <a:hueMod val="108000"/>
+                <a:satMod val="164000"/>
+                <a:lumMod val="74000"/>
+              </a:schemeClr>
+              <a:schemeClr val="bg2">
+                <a:tint val="96000"/>
+                <a:hueMod val="88000"/>
+                <a:satMod val="140000"/>
+                <a:lumMod val="132000"/>
+              </a:schemeClr>
+            </a:duotone>
+          </a:blip>
+          <a:stretch/>
+        </a:blipFill>
+        <a:effectLst/>
+      </p:bgPr>
+    </p:bg>
+    <p:spTree>
+      <p:nvGrpSpPr>
+        <p:cNvPr id="1" name=""/>
+        <p:cNvGrpSpPr/>
+        <p:nvPr/>
+      </p:nvGrpSpPr>
+      <p:grpSpPr>
+        <a:xfrm>
+          <a:off x="0" y="0"/>
+          <a:ext cx="0" cy="0"/>
+          <a:chOff x="0" y="0"/>
+          <a:chExt cx="0" cy="0"/>
+        </a:xfrm>
+      </p:grpSpPr>
+      <p:sp>
+        <p:nvSpPr>
+          <p:cNvPr id="17" name="Rectangle 16">
+            <a:extLst>
+              <a:ext uri="{FF2B5EF4-FFF2-40B4-BE49-F238E27FC236}">
+                <a16:creationId xmlns:a16="http://schemas.microsoft.com/office/drawing/2014/main" id="{923E8915-D2AA-4327-A45A-972C3CA9574B}"/>
+              </a:ext>
+              <a:ext uri="{C183D7F6-B498-43B3-948B-1728B52AA6E4}">
+                <adec:decorative xmlns:adec="http://schemas.microsoft.com/office/drawing/2017/decorative" val="1"/>
+              </a:ext>
+            </a:extLst>
+          </p:cNvPr>
+          <p:cNvSpPr>
+            <a:spLocks noGrp="1" noRot="1" noChangeAspect="1" noMove="1" noResize="1" noEditPoints="1" noAdjustHandles="1" noChangeArrowheads="1" noChangeShapeType="1" noTextEdit="1"/>
+          </p:cNvSpPr>
+          <p:nvPr>
+            <p:extLst>
+              <p:ext uri="{386F3935-93C4-4BCD-93E2-E3B085C9AB24}">
+                <p16:designElem xmlns:p16="http://schemas.microsoft.com/office/powerpoint/2015/main" val="1"/>
+              </p:ext>
+            </p:extLst>
+          </p:nvPr>
+        </p:nvSpPr>
+        <p:spPr>
+          <a:xfrm>
+            <a:off x="0" y="0"/>
+            <a:ext cx="12192000" cy="6858000"/>
+          </a:xfrm>
+          <a:prstGeom prst="rect">
+            <a:avLst/>
+          </a:prstGeom>
+          <a:solidFill>
+            <a:schemeClr val="tx1"/>
+          </a:solidFill>
+          <a:ln>
+            <a:noFill/>
+          </a:ln>
+        </p:spPr>
+        <p:style>
+          <a:lnRef idx="2">
+            <a:schemeClr val="accent1">
+              <a:shade val="50000"/>
+            </a:schemeClr>
+          </a:lnRef>
+          <a:fillRef idx="1">
+            <a:schemeClr val="accent1"/>
+          </a:fillRef>
+          <a:effectRef idx="0">
+            <a:schemeClr val="accent1"/>
+          </a:effectRef>
+          <a:fontRef idx="minor">
+            <a:schemeClr val="lt1"/>
+          </a:fontRef>
+        </p:style>
+        <p:txBody>
+          <a:bodyPr rtlCol="0" anchor="ctr"/>
+          <a:lstStyle/>
+          <a:p>
+            <a:pPr algn="ctr"/>
+            <a:endParaRPr lang="en-US"/>
+          </a:p>
+        </p:txBody>
+      </p:sp>
+      <p:sp useBgFill="1">
+        <p:nvSpPr>
+          <p:cNvPr id="18" name="Rectangle 17">
+            <a:extLst>
+              <a:ext uri="{FF2B5EF4-FFF2-40B4-BE49-F238E27FC236}">
+                <a16:creationId xmlns:a16="http://schemas.microsoft.com/office/drawing/2014/main" id="{8302FC3C-9804-4950-B721-5FD704BA6065}"/>
+              </a:ext>
+              <a:ext uri="{C183D7F6-B498-43B3-948B-1728B52AA6E4}">
+                <adec:decorative xmlns:adec="http://schemas.microsoft.com/office/drawing/2017/decorative" val="1"/>
+              </a:ext>
+            </a:extLst>
+          </p:cNvPr>
+          <p:cNvSpPr>
+            <a:spLocks noGrp="1" noRot="1" noChangeAspect="1" noMove="1" noResize="1" noEditPoints="1" noAdjustHandles="1" noChangeArrowheads="1" noChangeShapeType="1" noTextEdit="1"/>
+          </p:cNvSpPr>
+          <p:nvPr>
+            <p:extLst>
+              <p:ext uri="{386F3935-93C4-4BCD-93E2-E3B085C9AB24}">
+                <p16:designElem xmlns:p16="http://schemas.microsoft.com/office/powerpoint/2015/main" val="1"/>
+              </p:ext>
+            </p:extLst>
+          </p:nvPr>
+        </p:nvSpPr>
+        <p:spPr bwMode="ltGray">
+          <a:xfrm>
+            <a:off x="0" y="0"/>
+            <a:ext cx="12188952" cy="6858000"/>
+          </a:xfrm>
+          <a:prstGeom prst="rect">
+            <a:avLst/>
+          </a:prstGeom>
+          <a:ln w="127000" cap="sq" cmpd="thinThick">
+            <a:noFill/>
+          </a:ln>
+        </p:spPr>
+        <p:style>
+          <a:lnRef idx="2">
+            <a:schemeClr val="accent1">
+              <a:shade val="50000"/>
+            </a:schemeClr>
+          </a:lnRef>
+          <a:fillRef idx="1">
+            <a:schemeClr val="accent1"/>
+          </a:fillRef>
+          <a:effectRef idx="0">
+            <a:schemeClr val="accent1"/>
+          </a:effectRef>
+          <a:fontRef idx="minor">
+            <a:schemeClr val="lt1"/>
+          </a:fontRef>
+        </p:style>
+        <p:txBody>
+          <a:bodyPr rtlCol="0" anchor="ctr"/>
+          <a:lstStyle/>
+          <a:p>
+            <a:pPr algn="ctr"/>
+            <a:endParaRPr lang="en-US"/>
+          </a:p>
+        </p:txBody>
+      </p:sp>
+      <p:cxnSp>
+        <p:nvCxnSpPr>
+          <p:cNvPr id="19" name="Straight Connector 18">
+            <a:extLst>
+              <a:ext uri="{FF2B5EF4-FFF2-40B4-BE49-F238E27FC236}">
+                <a16:creationId xmlns:a16="http://schemas.microsoft.com/office/drawing/2014/main" id="{6B9695BD-ECF6-49CA-8877-8C493193C65D}"/>
+              </a:ext>
+              <a:ext uri="{C183D7F6-B498-43B3-948B-1728B52AA6E4}">
+                <adec:decorative xmlns:adec="http://schemas.microsoft.com/office/drawing/2017/decorative" val="1"/>
+              </a:ext>
+            </a:extLst>
+          </p:cNvPr>
+          <p:cNvCxnSpPr>
+            <a:cxnSpLocks noGrp="1" noRot="1" noChangeAspect="1" noMove="1" noResize="1" noEditPoints="1" noAdjustHandles="1" noChangeArrowheads="1" noChangeShapeType="1"/>
+          </p:cNvCxnSpPr>
+          <p:nvPr>
+            <p:extLst>
+              <p:ext uri="{386F3935-93C4-4BCD-93E2-E3B085C9AB24}">
+                <p16:designElem xmlns:p16="http://schemas.microsoft.com/office/powerpoint/2015/main" val="1"/>
+              </p:ext>
+            </p:extLst>
+          </p:nvPr>
+        </p:nvCxnSpPr>
+        <p:spPr>
+          <a:xfrm>
+            <a:off x="4654295" y="1828800"/>
+            <a:ext cx="0" cy="3200400"/>
+          </a:xfrm>
+          <a:prstGeom prst="line">
+            <a:avLst/>
+          </a:prstGeom>
+          <a:ln w="19050">
+            <a:solidFill>
+              <a:schemeClr val="bg2">
+                <a:lumMod val="60000"/>
+                <a:lumOff val="40000"/>
+              </a:schemeClr>
+            </a:solidFill>
+          </a:ln>
+        </p:spPr>
+        <p:style>
+          <a:lnRef idx="1">
+            <a:schemeClr val="accent1"/>
+          </a:lnRef>
+          <a:fillRef idx="0">
+            <a:schemeClr val="accent1"/>
+          </a:fillRef>
+          <a:effectRef idx="0">
+            <a:schemeClr val="accent1"/>
+          </a:effectRef>
+          <a:fontRef idx="minor">
+            <a:schemeClr val="tx1"/>
+          </a:fontRef>
+        </p:style>
+      </p:cxnSp>
+      <p:pic>
+        <p:nvPicPr>
+          <p:cNvPr id="20" name="Picture 19">
+            <a:extLst>
+              <a:ext uri="{FF2B5EF4-FFF2-40B4-BE49-F238E27FC236}">
+                <a16:creationId xmlns:a16="http://schemas.microsoft.com/office/drawing/2014/main" id="{3BC6EBB2-9BDC-4075-BA6B-43A9FBF9C86C}"/>
+              </a:ext>
+              <a:ext uri="{C183D7F6-B498-43B3-948B-1728B52AA6E4}">
+                <adec:decorative xmlns:adec="http://schemas.microsoft.com/office/drawing/2017/decorative" val="1"/>
+              </a:ext>
+            </a:extLst>
+          </p:cNvPr>
+          <p:cNvPicPr>
+            <a:picLocks noGrp="1" noRot="1" noChangeAspect="1" noMove="1" noResize="1" noEditPoints="1" noAdjustHandles="1" noChangeArrowheads="1" noChangeShapeType="1" noCrop="1"/>
+          </p:cNvPicPr>
+          <p:nvPr>
+            <p:extLst>
+              <p:ext uri="{386F3935-93C4-4BCD-93E2-E3B085C9AB24}">
+                <p16:designElem xmlns:p16="http://schemas.microsoft.com/office/powerpoint/2015/main" val="1"/>
+              </p:ext>
+            </p:extLst>
+          </p:nvPr>
+        </p:nvPicPr>
+        <p:blipFill rotWithShape="1">
+          <a:blip r:embed="rId3">
+            <a:extLst>
+              <a:ext uri="{28A0092B-C50C-407E-A947-70E740481C1C}">
+                <a14:useLocalDpi xmlns:a14="http://schemas.microsoft.com/office/drawing/2010/main" val="0"/>
+              </a:ext>
+            </a:extLst>
+          </a:blip>
+          <a:srcRect b="23320"/>
+          <a:stretch/>
+        </p:blipFill>
+        <p:spPr>
+          <a:xfrm>
+            <a:off x="8605878" y="6228080"/>
+            <a:ext cx="993734" cy="762000"/>
+          </a:xfrm>
+          <a:prstGeom prst="rect">
+            <a:avLst/>
+          </a:prstGeom>
+        </p:spPr>
+      </p:pic>
+      <p:sp>
+        <p:nvSpPr>
+          <p:cNvPr id="16" name="Freeform 5">
+            <a:extLst>
+              <a:ext uri="{FF2B5EF4-FFF2-40B4-BE49-F238E27FC236}">
+                <a16:creationId xmlns:a16="http://schemas.microsoft.com/office/drawing/2014/main" id="{F3798573-F27B-47EB-8EA4-7EE34954C2D6}"/>
+              </a:ext>
+              <a:ext uri="{C183D7F6-B498-43B3-948B-1728B52AA6E4}">
+                <adec:decorative xmlns:adec="http://schemas.microsoft.com/office/drawing/2017/decorative" val="1"/>
+              </a:ext>
+            </a:extLst>
+          </p:cNvPr>
+          <p:cNvSpPr>
+            <a:spLocks noGrp="1" noRot="1" noChangeAspect="1" noMove="1" noResize="1" noEditPoints="1" noAdjustHandles="1" noChangeArrowheads="1" noChangeShapeType="1" noTextEdit="1"/>
+          </p:cNvSpPr>
+          <p:nvPr>
+            <p:extLst>
+              <p:ext uri="{386F3935-93C4-4BCD-93E2-E3B085C9AB24}">
+                <p16:designElem xmlns:p16="http://schemas.microsoft.com/office/powerpoint/2015/main" val="1"/>
+              </p:ext>
+            </p:extLst>
+          </p:nvPr>
+        </p:nvSpPr>
+        <p:spPr bwMode="gray">
+          <a:xfrm>
+            <a:off x="-1588" y="0"/>
+            <a:ext cx="12192000" cy="6856413"/>
+          </a:xfrm>
+          <a:custGeom>
+            <a:avLst/>
+            <a:gdLst/>
+            <a:ahLst/>
+            <a:cxnLst/>
+            <a:rect l="0" t="0" r="r" b="b"/>
+            <a:pathLst>
+              <a:path w="15356" h="8638">
+                <a:moveTo>
+                  <a:pt x="0" y="0"/>
+                </a:moveTo>
+                <a:lnTo>
+                  <a:pt x="0" y="8638"/>
+                </a:lnTo>
+                <a:lnTo>
+                  <a:pt x="15356" y="8638"/>
+                </a:lnTo>
+                <a:lnTo>
+                  <a:pt x="15356" y="0"/>
+                </a:lnTo>
+                <a:lnTo>
+                  <a:pt x="0" y="0"/>
+                </a:lnTo>
+                <a:close/>
+                <a:moveTo>
+                  <a:pt x="14748" y="8038"/>
+                </a:moveTo>
+                <a:lnTo>
+                  <a:pt x="600" y="8038"/>
+                </a:lnTo>
+                <a:lnTo>
+                  <a:pt x="600" y="592"/>
+                </a:lnTo>
+                <a:lnTo>
+                  <a:pt x="14748" y="592"/>
+                </a:lnTo>
+                <a:lnTo>
+                  <a:pt x="14748" y="8038"/>
+                </a:lnTo>
+                <a:close/>
+              </a:path>
+            </a:pathLst>
+          </a:custGeom>
+          <a:solidFill>
+            <a:schemeClr val="tx1"/>
+          </a:solidFill>
+          <a:ln>
+            <a:noFill/>
+          </a:ln>
+        </p:spPr>
+        <p:txBody>
+          <a:bodyPr/>
+          <a:lstStyle/>
+          <a:p>
+            <a:endParaRPr lang="en-US"/>
+          </a:p>
+        </p:txBody>
+      </p:sp>
+      <p:sp>
+        <p:nvSpPr>
+          <p:cNvPr id="2" name="Title 1">
+            <a:extLst>
+              <a:ext uri="{FF2B5EF4-FFF2-40B4-BE49-F238E27FC236}">
+                <a16:creationId xmlns:a16="http://schemas.microsoft.com/office/drawing/2014/main" id="{38A04E94-18E9-73F6-E065-33DFF956569F}"/>
+              </a:ext>
+            </a:extLst>
+          </p:cNvPr>
+          <p:cNvSpPr>
+            <a:spLocks noGrp="1"/>
+          </p:cNvSpPr>
+          <p:nvPr>
+            <p:ph type="title"/>
+          </p:nvPr>
+        </p:nvSpPr>
+        <p:spPr>
+          <a:xfrm>
+            <a:off x="806195" y="804672"/>
+            <a:ext cx="3521359" cy="5248656"/>
+          </a:xfrm>
+        </p:spPr>
+        <p:txBody>
+          <a:bodyPr anchor="ctr">
+            <a:normAutofit/>
+          </a:bodyPr>
+          <a:lstStyle/>
+          <a:p>
+            <a:pPr algn="ctr"/>
+            <a:r>
+              <a:rPr lang="en-US"/>
+              <a:t>Proposed Solution</a:t>
+            </a:r>
+          </a:p>
+        </p:txBody>
+      </p:sp>
+      <p:sp>
+        <p:nvSpPr>
+          <p:cNvPr id="3" name="Content Placeholder 2">
+            <a:extLst>
+              <a:ext uri="{FF2B5EF4-FFF2-40B4-BE49-F238E27FC236}">
+                <a16:creationId xmlns:a16="http://schemas.microsoft.com/office/drawing/2014/main" id="{A0532FB3-6C1D-7CC2-601A-67DF1050B351}"/>
+              </a:ext>
+            </a:extLst>
+          </p:cNvPr>
+          <p:cNvSpPr>
+            <a:spLocks noGrp="1"/>
+          </p:cNvSpPr>
+          <p:nvPr>
+            <p:ph idx="1"/>
+          </p:nvPr>
+        </p:nvSpPr>
+        <p:spPr>
+          <a:xfrm>
+            <a:off x="4975861" y="804671"/>
+            <a:ext cx="6399930" cy="5248657"/>
+          </a:xfrm>
+        </p:spPr>
+        <p:txBody>
+          <a:bodyPr anchor="ctr">
+            <a:normAutofit/>
+          </a:bodyPr>
+          <a:lstStyle/>
+          <a:p>
+            <a:r>
+              <a:rPr lang="en-US"/>
+              <a:t>The Decentralized Charity Donation Platform uses blockchain technology to address these issues. </a:t>
+            </a:r>
+          </a:p>
+          <a:p>
+            <a:r>
+              <a:rPr lang="en-US"/>
+              <a:t>It enables direct, transparent transactions between donors and charities.</a:t>
+            </a:r>
+          </a:p>
+          <a:p>
+            <a:r>
+              <a:rPr lang="en-US"/>
+              <a:t>Every donation is securely recorded on the blockchain, and smart contracts automate fund handling, ensuring funds are used as intended. </a:t>
+            </a:r>
+          </a:p>
+          <a:p>
+            <a:r>
+              <a:rPr lang="en-US"/>
+              <a:t>The platform provides real-time updates, fostering trust and accountability.</a:t>
+            </a:r>
+          </a:p>
+          <a:p>
+            <a:pPr marL="0" indent="0">
+              <a:buNone/>
+            </a:pPr>
+            <a:endParaRPr lang="en-US"/>
+          </a:p>
+          <a:p>
+            <a:endParaRPr lang="en-US" dirty="0"/>
+          </a:p>
+        </p:txBody>
+      </p:sp>
+    </p:spTree>
+    <p:extLst>
+      <p:ext uri="{BB962C8B-B14F-4D97-AF65-F5344CB8AC3E}">
+        <p14:creationId xmlns:p14="http://schemas.microsoft.com/office/powerpoint/2010/main" val="593323716"/>
+      </p:ext>
+    </p:extLst>
+  </p:cSld>
+  <p:clrMapOvr>
+    <a:masterClrMapping/>
+  </p:clrMapOvr>
+</p:sld>
+</file>
+
+<file path=ppt/slides/slide5.xml><?xml version="1.0" encoding="utf-8"?>
 <p:sld xmlns:a="http://schemas.openxmlformats.org/drawingml/2006/main" xmlns:r="http://schemas.openxmlformats.org/officeDocument/2006/relationships" xmlns:p="http://schemas.openxmlformats.org/presentationml/2006/main">
   <p:cSld>
     <p:bg>
@@ -17156,7 +20094,7 @@
 </p:sld>
 </file>
 
-<file path=ppt/slides/slide4.xml><?xml version="1.0" encoding="utf-8"?>
+<file path=ppt/slides/slide6.xml><?xml version="1.0" encoding="utf-8"?>
 <p:sld xmlns:a="http://schemas.openxmlformats.org/drawingml/2006/main" xmlns:r="http://schemas.openxmlformats.org/officeDocument/2006/relationships" xmlns:p="http://schemas.openxmlformats.org/presentationml/2006/main">
   <p:cSld>
     <p:bg>
@@ -17619,7 +20557,7 @@
 </p:sld>
 </file>
 
-<file path=ppt/slides/slide5.xml><?xml version="1.0" encoding="utf-8"?>
+<file path=ppt/slides/slide7.xml><?xml version="1.0" encoding="utf-8"?>
 <p:sld xmlns:a="http://schemas.openxmlformats.org/drawingml/2006/main" xmlns:r="http://schemas.openxmlformats.org/officeDocument/2006/relationships" xmlns:p="http://schemas.openxmlformats.org/presentationml/2006/main">
   <p:cSld>
     <p:bg>
@@ -18716,7 +21654,7 @@
 </p:sld>
 </file>
 
-<file path=ppt/slides/slide6.xml><?xml version="1.0" encoding="utf-8"?>
+<file path=ppt/slides/slide8.xml><?xml version="1.0" encoding="utf-8"?>
 <p:sld xmlns:a="http://schemas.openxmlformats.org/drawingml/2006/main" xmlns:r="http://schemas.openxmlformats.org/officeDocument/2006/relationships" xmlns:p="http://schemas.openxmlformats.org/presentationml/2006/main">
   <p:cSld>
     <p:bg>
@@ -19531,794 +22469,7 @@
 </p:sld>
 </file>
 
-<file path=ppt/slides/slide7.xml><?xml version="1.0" encoding="utf-8"?>
-<p:sld xmlns:a="http://schemas.openxmlformats.org/drawingml/2006/main" xmlns:r="http://schemas.openxmlformats.org/officeDocument/2006/relationships" xmlns:p="http://schemas.openxmlformats.org/presentationml/2006/main">
-  <p:cSld>
-    <p:bg>
-      <p:bgPr>
-        <a:blipFill rotWithShape="1">
-          <a:blip r:embed="rId2">
-            <a:duotone>
-              <a:schemeClr val="bg2">
-                <a:shade val="69000"/>
-                <a:hueMod val="108000"/>
-                <a:satMod val="164000"/>
-                <a:lumMod val="74000"/>
-              </a:schemeClr>
-              <a:schemeClr val="bg2">
-                <a:tint val="96000"/>
-                <a:hueMod val="88000"/>
-                <a:satMod val="140000"/>
-                <a:lumMod val="132000"/>
-              </a:schemeClr>
-            </a:duotone>
-          </a:blip>
-          <a:stretch/>
-        </a:blipFill>
-        <a:effectLst/>
-      </p:bgPr>
-    </p:bg>
-    <p:spTree>
-      <p:nvGrpSpPr>
-        <p:cNvPr id="1" name=""/>
-        <p:cNvGrpSpPr/>
-        <p:nvPr/>
-      </p:nvGrpSpPr>
-      <p:grpSpPr>
-        <a:xfrm>
-          <a:off x="0" y="0"/>
-          <a:ext cx="0" cy="0"/>
-          <a:chOff x="0" y="0"/>
-          <a:chExt cx="0" cy="0"/>
-        </a:xfrm>
-      </p:grpSpPr>
-      <p:sp>
-        <p:nvSpPr>
-          <p:cNvPr id="22" name="Rectangle 21">
-            <a:extLst>
-              <a:ext uri="{FF2B5EF4-FFF2-40B4-BE49-F238E27FC236}">
-                <a16:creationId xmlns:a16="http://schemas.microsoft.com/office/drawing/2014/main" id="{C8A3C342-1D03-412F-8DD3-BF519E8E0AE9}"/>
-              </a:ext>
-              <a:ext uri="{C183D7F6-B498-43B3-948B-1728B52AA6E4}">
-                <adec:decorative xmlns:adec="http://schemas.microsoft.com/office/drawing/2017/decorative" val="1"/>
-              </a:ext>
-            </a:extLst>
-          </p:cNvPr>
-          <p:cNvSpPr>
-            <a:spLocks noGrp="1" noRot="1" noChangeAspect="1" noMove="1" noResize="1" noEditPoints="1" noAdjustHandles="1" noChangeArrowheads="1" noChangeShapeType="1" noTextEdit="1"/>
-          </p:cNvSpPr>
-          <p:nvPr>
-            <p:extLst>
-              <p:ext uri="{386F3935-93C4-4BCD-93E2-E3B085C9AB24}">
-                <p16:designElem xmlns:p16="http://schemas.microsoft.com/office/powerpoint/2015/main" val="1"/>
-              </p:ext>
-            </p:extLst>
-          </p:nvPr>
-        </p:nvSpPr>
-        <p:spPr>
-          <a:xfrm>
-            <a:off x="0" y="0"/>
-            <a:ext cx="12192000" cy="6858000"/>
-          </a:xfrm>
-          <a:prstGeom prst="rect">
-            <a:avLst/>
-          </a:prstGeom>
-          <a:ln>
-            <a:noFill/>
-          </a:ln>
-        </p:spPr>
-        <p:style>
-          <a:lnRef idx="2">
-            <a:schemeClr val="accent1">
-              <a:shade val="50000"/>
-            </a:schemeClr>
-          </a:lnRef>
-          <a:fillRef idx="1003">
-            <a:schemeClr val="dk2"/>
-          </a:fillRef>
-          <a:effectRef idx="0">
-            <a:schemeClr val="accent1"/>
-          </a:effectRef>
-          <a:fontRef idx="minor">
-            <a:schemeClr val="lt1"/>
-          </a:fontRef>
-        </p:style>
-        <p:txBody>
-          <a:bodyPr rtlCol="0" anchor="ctr"/>
-          <a:lstStyle/>
-          <a:p>
-            <a:pPr algn="ctr"/>
-            <a:endParaRPr lang="en-US"/>
-          </a:p>
-        </p:txBody>
-      </p:sp>
-      <p:sp>
-        <p:nvSpPr>
-          <p:cNvPr id="2" name="Title 1">
-            <a:extLst>
-              <a:ext uri="{FF2B5EF4-FFF2-40B4-BE49-F238E27FC236}">
-                <a16:creationId xmlns:a16="http://schemas.microsoft.com/office/drawing/2014/main" id="{B34B0283-F2AF-52EA-7682-68063301F435}"/>
-              </a:ext>
-            </a:extLst>
-          </p:cNvPr>
-          <p:cNvSpPr>
-            <a:spLocks noGrp="1"/>
-          </p:cNvSpPr>
-          <p:nvPr>
-            <p:ph type="title"/>
-          </p:nvPr>
-        </p:nvSpPr>
-        <p:spPr>
-          <a:xfrm>
-            <a:off x="648930" y="629266"/>
-            <a:ext cx="6188190" cy="1622321"/>
-          </a:xfrm>
-        </p:spPr>
-        <p:txBody>
-          <a:bodyPr>
-            <a:normAutofit/>
-          </a:bodyPr>
-          <a:lstStyle/>
-          <a:p>
-            <a:r>
-              <a:rPr lang="en-US">
-                <a:solidFill>
-                  <a:srgbClr val="EBEBEB"/>
-                </a:solidFill>
-              </a:rPr>
-              <a:t>GitHub Repository</a:t>
-            </a:r>
-          </a:p>
-        </p:txBody>
-      </p:sp>
-      <p:sp>
-        <p:nvSpPr>
-          <p:cNvPr id="23" name="Content Placeholder 2">
-            <a:extLst>
-              <a:ext uri="{FF2B5EF4-FFF2-40B4-BE49-F238E27FC236}">
-                <a16:creationId xmlns:a16="http://schemas.microsoft.com/office/drawing/2014/main" id="{451A99F8-1599-88FD-13DF-F6D9DD58EB22}"/>
-              </a:ext>
-            </a:extLst>
-          </p:cNvPr>
-          <p:cNvSpPr>
-            <a:spLocks noGrp="1"/>
-          </p:cNvSpPr>
-          <p:nvPr>
-            <p:ph idx="1"/>
-          </p:nvPr>
-        </p:nvSpPr>
-        <p:spPr>
-          <a:xfrm>
-            <a:off x="648930" y="2438400"/>
-            <a:ext cx="6188189" cy="3785419"/>
-          </a:xfrm>
-        </p:spPr>
-        <p:txBody>
-          <a:bodyPr>
-            <a:normAutofit/>
-          </a:bodyPr>
-          <a:lstStyle/>
-          <a:p>
-            <a:r>
-              <a:rPr lang="en-US">
-                <a:solidFill>
-                  <a:srgbClr val="FFFFFF"/>
-                </a:solidFill>
-              </a:rPr>
-              <a:t>The whole source code and documentation for the project can be found on </a:t>
-            </a:r>
-          </a:p>
-          <a:p>
-            <a:r>
-              <a:rPr lang="en-US">
-                <a:solidFill>
-                  <a:srgbClr val="FFFFFF"/>
-                </a:solidFill>
-              </a:rPr>
-              <a:t>GitHub:</a:t>
-            </a:r>
-            <a:br>
-              <a:rPr lang="en-US">
-                <a:solidFill>
-                  <a:srgbClr val="FFFFFF"/>
-                </a:solidFill>
-              </a:rPr>
-            </a:br>
-            <a:r>
-              <a:rPr lang="en-US">
-                <a:solidFill>
-                  <a:srgbClr val="FFFFFF"/>
-                </a:solidFill>
-              </a:rPr>
-              <a:t>Repository URL: </a:t>
-            </a:r>
-            <a:r>
-              <a:rPr lang="en-US">
-                <a:solidFill>
-                  <a:srgbClr val="FFFFFF"/>
-                </a:solidFill>
-                <a:hlinkClick r:id="rId3"/>
-              </a:rPr>
-              <a:t>https://github.com/Tsr2001/donation-platform</a:t>
-            </a:r>
-            <a:endParaRPr lang="en-US">
-              <a:solidFill>
-                <a:srgbClr val="FFFFFF"/>
-              </a:solidFill>
-            </a:endParaRPr>
-          </a:p>
-          <a:p>
-            <a:r>
-              <a:rPr lang="en-US">
-                <a:solidFill>
-                  <a:srgbClr val="FFFFFF"/>
-                </a:solidFill>
-              </a:rPr>
-              <a:t>The repository contains the smart contract code, frontend application, deployment scripts, and user manuals.</a:t>
-            </a:r>
-          </a:p>
-        </p:txBody>
-      </p:sp>
-      <p:sp>
-        <p:nvSpPr>
-          <p:cNvPr id="24" name="Freeform 31">
-            <a:extLst>
-              <a:ext uri="{FF2B5EF4-FFF2-40B4-BE49-F238E27FC236}">
-                <a16:creationId xmlns:a16="http://schemas.microsoft.com/office/drawing/2014/main" id="{81CC9B02-E087-4350-AEBD-2C3CF001AF01}"/>
-              </a:ext>
-              <a:ext uri="{C183D7F6-B498-43B3-948B-1728B52AA6E4}">
-                <adec:decorative xmlns:adec="http://schemas.microsoft.com/office/drawing/2017/decorative" val="1"/>
-              </a:ext>
-            </a:extLst>
-          </p:cNvPr>
-          <p:cNvSpPr>
-            <a:spLocks noGrp="1" noRot="1" noChangeAspect="1" noMove="1" noResize="1" noEditPoints="1" noAdjustHandles="1" noChangeArrowheads="1" noChangeShapeType="1" noTextEdit="1"/>
-          </p:cNvSpPr>
-          <p:nvPr>
-            <p:extLst>
-              <p:ext uri="{386F3935-93C4-4BCD-93E2-E3B085C9AB24}">
-                <p16:designElem xmlns:p16="http://schemas.microsoft.com/office/powerpoint/2015/main" val="1"/>
-              </p:ext>
-            </p:extLst>
-          </p:nvPr>
-        </p:nvSpPr>
-        <p:spPr>
-          <a:xfrm>
-            <a:off x="7015974" y="-1"/>
-            <a:ext cx="559472" cy="3709642"/>
-          </a:xfrm>
-          <a:custGeom>
-            <a:avLst/>
-            <a:gdLst>
-              <a:gd name="connsiteX0" fmla="*/ 0 w 559472"/>
-              <a:gd name="connsiteY0" fmla="*/ 0 h 3709642"/>
-              <a:gd name="connsiteX1" fmla="*/ 473952 w 559472"/>
-              <a:gd name="connsiteY1" fmla="*/ 0 h 3709642"/>
-              <a:gd name="connsiteX2" fmla="*/ 485840 w 559472"/>
-              <a:gd name="connsiteY2" fmla="*/ 161194 h 3709642"/>
-              <a:gd name="connsiteX3" fmla="*/ 523949 w 559472"/>
-              <a:gd name="connsiteY3" fmla="*/ 3672197 h 3709642"/>
-              <a:gd name="connsiteX4" fmla="*/ 454748 w 559472"/>
-              <a:gd name="connsiteY4" fmla="*/ 3709642 h 3709642"/>
-              <a:gd name="connsiteX5" fmla="*/ 448224 w 559472"/>
-              <a:gd name="connsiteY5" fmla="*/ 3510471 h 3709642"/>
-              <a:gd name="connsiteX6" fmla="*/ 443564 w 559472"/>
-              <a:gd name="connsiteY6" fmla="*/ 3408563 h 3709642"/>
-              <a:gd name="connsiteX7" fmla="*/ 438902 w 559472"/>
-              <a:gd name="connsiteY7" fmla="*/ 3304407 h 3709642"/>
-              <a:gd name="connsiteX8" fmla="*/ 433941 w 559472"/>
-              <a:gd name="connsiteY8" fmla="*/ 3198777 h 3709642"/>
-              <a:gd name="connsiteX9" fmla="*/ 427584 w 559472"/>
-              <a:gd name="connsiteY9" fmla="*/ 3092510 h 3709642"/>
-              <a:gd name="connsiteX10" fmla="*/ 420988 w 559472"/>
-              <a:gd name="connsiteY10" fmla="*/ 2984390 h 3709642"/>
-              <a:gd name="connsiteX11" fmla="*/ 414330 w 559472"/>
-              <a:gd name="connsiteY11" fmla="*/ 2874401 h 3709642"/>
-              <a:gd name="connsiteX12" fmla="*/ 406840 w 559472"/>
-              <a:gd name="connsiteY12" fmla="*/ 2762980 h 3709642"/>
-              <a:gd name="connsiteX13" fmla="*/ 397745 w 559472"/>
-              <a:gd name="connsiteY13" fmla="*/ 2650566 h 3709642"/>
-              <a:gd name="connsiteX14" fmla="*/ 389154 w 559472"/>
-              <a:gd name="connsiteY14" fmla="*/ 2536612 h 3709642"/>
-              <a:gd name="connsiteX15" fmla="*/ 379225 w 559472"/>
-              <a:gd name="connsiteY15" fmla="*/ 2421642 h 3709642"/>
-              <a:gd name="connsiteX16" fmla="*/ 368316 w 559472"/>
-              <a:gd name="connsiteY16" fmla="*/ 2305627 h 3709642"/>
-              <a:gd name="connsiteX17" fmla="*/ 357466 w 559472"/>
-              <a:gd name="connsiteY17" fmla="*/ 2189233 h 3709642"/>
-              <a:gd name="connsiteX18" fmla="*/ 344982 w 559472"/>
-              <a:gd name="connsiteY18" fmla="*/ 2071473 h 3709642"/>
-              <a:gd name="connsiteX19" fmla="*/ 332466 w 559472"/>
-              <a:gd name="connsiteY19" fmla="*/ 1952216 h 3709642"/>
-              <a:gd name="connsiteX20" fmla="*/ 319121 w 559472"/>
-              <a:gd name="connsiteY20" fmla="*/ 1833776 h 3709642"/>
-              <a:gd name="connsiteX21" fmla="*/ 304408 w 559472"/>
-              <a:gd name="connsiteY21" fmla="*/ 1713948 h 3709642"/>
-              <a:gd name="connsiteX22" fmla="*/ 288685 w 559472"/>
-              <a:gd name="connsiteY22" fmla="*/ 1592703 h 3709642"/>
-              <a:gd name="connsiteX23" fmla="*/ 273050 w 559472"/>
-              <a:gd name="connsiteY23" fmla="*/ 1471451 h 3709642"/>
-              <a:gd name="connsiteX24" fmla="*/ 255813 w 559472"/>
-              <a:gd name="connsiteY24" fmla="*/ 1350328 h 3709642"/>
-              <a:gd name="connsiteX25" fmla="*/ 237060 w 559472"/>
-              <a:gd name="connsiteY25" fmla="*/ 1227080 h 3709642"/>
-              <a:gd name="connsiteX26" fmla="*/ 218488 w 559472"/>
-              <a:gd name="connsiteY26" fmla="*/ 1106065 h 3709642"/>
-              <a:gd name="connsiteX27" fmla="*/ 198221 w 559472"/>
-              <a:gd name="connsiteY27" fmla="*/ 982940 h 3709642"/>
-              <a:gd name="connsiteX28" fmla="*/ 177152 w 559472"/>
-              <a:gd name="connsiteY28" fmla="*/ 858755 h 3709642"/>
-              <a:gd name="connsiteX29" fmla="*/ 155551 w 559472"/>
-              <a:gd name="connsiteY29" fmla="*/ 736861 h 3709642"/>
-              <a:gd name="connsiteX30" fmla="*/ 131782 w 559472"/>
-              <a:gd name="connsiteY30" fmla="*/ 613645 h 3709642"/>
-              <a:gd name="connsiteX31" fmla="*/ 107123 w 559472"/>
-              <a:gd name="connsiteY31" fmla="*/ 490500 h 3709642"/>
-              <a:gd name="connsiteX32" fmla="*/ 82552 w 559472"/>
-              <a:gd name="connsiteY32" fmla="*/ 367348 h 3709642"/>
-              <a:gd name="connsiteX33" fmla="*/ 55608 w 559472"/>
-              <a:gd name="connsiteY33" fmla="*/ 244762 h 3709642"/>
-              <a:gd name="connsiteX34" fmla="*/ 28130 w 559472"/>
-              <a:gd name="connsiteY34" fmla="*/ 122220 h 3709642"/>
-              <a:gd name="connsiteX35" fmla="*/ 0 w 559472"/>
-              <a:gd name="connsiteY35" fmla="*/ 0 h 3709642"/>
-            </a:gdLst>
-            <a:ahLst/>
-            <a:cxnLst>
-              <a:cxn ang="0">
-                <a:pos x="connsiteX0" y="connsiteY0"/>
-              </a:cxn>
-              <a:cxn ang="0">
-                <a:pos x="connsiteX1" y="connsiteY1"/>
-              </a:cxn>
-              <a:cxn ang="0">
-                <a:pos x="connsiteX2" y="connsiteY2"/>
-              </a:cxn>
-              <a:cxn ang="0">
-                <a:pos x="connsiteX3" y="connsiteY3"/>
-              </a:cxn>
-              <a:cxn ang="0">
-                <a:pos x="connsiteX4" y="connsiteY4"/>
-              </a:cxn>
-              <a:cxn ang="0">
-                <a:pos x="connsiteX5" y="connsiteY5"/>
-              </a:cxn>
-              <a:cxn ang="0">
-                <a:pos x="connsiteX6" y="connsiteY6"/>
-              </a:cxn>
-              <a:cxn ang="0">
-                <a:pos x="connsiteX7" y="connsiteY7"/>
-              </a:cxn>
-              <a:cxn ang="0">
-                <a:pos x="connsiteX8" y="connsiteY8"/>
-              </a:cxn>
-              <a:cxn ang="0">
-                <a:pos x="connsiteX9" y="connsiteY9"/>
-              </a:cxn>
-              <a:cxn ang="0">
-                <a:pos x="connsiteX10" y="connsiteY10"/>
-              </a:cxn>
-              <a:cxn ang="0">
-                <a:pos x="connsiteX11" y="connsiteY11"/>
-              </a:cxn>
-              <a:cxn ang="0">
-                <a:pos x="connsiteX12" y="connsiteY12"/>
-              </a:cxn>
-              <a:cxn ang="0">
-                <a:pos x="connsiteX13" y="connsiteY13"/>
-              </a:cxn>
-              <a:cxn ang="0">
-                <a:pos x="connsiteX14" y="connsiteY14"/>
-              </a:cxn>
-              <a:cxn ang="0">
-                <a:pos x="connsiteX15" y="connsiteY15"/>
-              </a:cxn>
-              <a:cxn ang="0">
-                <a:pos x="connsiteX16" y="connsiteY16"/>
-              </a:cxn>
-              <a:cxn ang="0">
-                <a:pos x="connsiteX17" y="connsiteY17"/>
-              </a:cxn>
-              <a:cxn ang="0">
-                <a:pos x="connsiteX18" y="connsiteY18"/>
-              </a:cxn>
-              <a:cxn ang="0">
-                <a:pos x="connsiteX19" y="connsiteY19"/>
-              </a:cxn>
-              <a:cxn ang="0">
-                <a:pos x="connsiteX20" y="connsiteY20"/>
-              </a:cxn>
-              <a:cxn ang="0">
-                <a:pos x="connsiteX21" y="connsiteY21"/>
-              </a:cxn>
-              <a:cxn ang="0">
-                <a:pos x="connsiteX22" y="connsiteY22"/>
-              </a:cxn>
-              <a:cxn ang="0">
-                <a:pos x="connsiteX23" y="connsiteY23"/>
-              </a:cxn>
-              <a:cxn ang="0">
-                <a:pos x="connsiteX24" y="connsiteY24"/>
-              </a:cxn>
-              <a:cxn ang="0">
-                <a:pos x="connsiteX25" y="connsiteY25"/>
-              </a:cxn>
-              <a:cxn ang="0">
-                <a:pos x="connsiteX26" y="connsiteY26"/>
-              </a:cxn>
-              <a:cxn ang="0">
-                <a:pos x="connsiteX27" y="connsiteY27"/>
-              </a:cxn>
-              <a:cxn ang="0">
-                <a:pos x="connsiteX28" y="connsiteY28"/>
-              </a:cxn>
-              <a:cxn ang="0">
-                <a:pos x="connsiteX29" y="connsiteY29"/>
-              </a:cxn>
-              <a:cxn ang="0">
-                <a:pos x="connsiteX30" y="connsiteY30"/>
-              </a:cxn>
-              <a:cxn ang="0">
-                <a:pos x="connsiteX31" y="connsiteY31"/>
-              </a:cxn>
-              <a:cxn ang="0">
-                <a:pos x="connsiteX32" y="connsiteY32"/>
-              </a:cxn>
-              <a:cxn ang="0">
-                <a:pos x="connsiteX33" y="connsiteY33"/>
-              </a:cxn>
-              <a:cxn ang="0">
-                <a:pos x="connsiteX34" y="connsiteY34"/>
-              </a:cxn>
-              <a:cxn ang="0">
-                <a:pos x="connsiteX35" y="connsiteY35"/>
-              </a:cxn>
-            </a:cxnLst>
-            <a:rect l="l" t="t" r="r" b="b"/>
-            <a:pathLst>
-              <a:path w="559472" h="3709642">
-                <a:moveTo>
-                  <a:pt x="0" y="0"/>
-                </a:moveTo>
-                <a:lnTo>
-                  <a:pt x="473952" y="0"/>
-                </a:lnTo>
-                <a:lnTo>
-                  <a:pt x="485840" y="161194"/>
-                </a:lnTo>
-                <a:cubicBezTo>
-                  <a:pt x="552063" y="1147770"/>
-                  <a:pt x="592441" y="3086737"/>
-                  <a:pt x="523949" y="3672197"/>
-                </a:cubicBezTo>
-                <a:cubicBezTo>
-                  <a:pt x="500842" y="3684557"/>
-                  <a:pt x="477855" y="3697282"/>
-                  <a:pt x="454748" y="3709642"/>
-                </a:cubicBezTo>
-                <a:lnTo>
-                  <a:pt x="448224" y="3510471"/>
-                </a:lnTo>
-                <a:lnTo>
-                  <a:pt x="443564" y="3408563"/>
-                </a:lnTo>
-                <a:lnTo>
-                  <a:pt x="438902" y="3304407"/>
-                </a:lnTo>
-                <a:lnTo>
-                  <a:pt x="433941" y="3198777"/>
-                </a:lnTo>
-                <a:lnTo>
-                  <a:pt x="427584" y="3092510"/>
-                </a:lnTo>
-                <a:lnTo>
-                  <a:pt x="420988" y="2984390"/>
-                </a:lnTo>
-                <a:lnTo>
-                  <a:pt x="414330" y="2874401"/>
-                </a:lnTo>
-                <a:lnTo>
-                  <a:pt x="406840" y="2762980"/>
-                </a:lnTo>
-                <a:lnTo>
-                  <a:pt x="397745" y="2650566"/>
-                </a:lnTo>
-                <a:lnTo>
-                  <a:pt x="389154" y="2536612"/>
-                </a:lnTo>
-                <a:lnTo>
-                  <a:pt x="379225" y="2421642"/>
-                </a:lnTo>
-                <a:lnTo>
-                  <a:pt x="368316" y="2305627"/>
-                </a:lnTo>
-                <a:lnTo>
-                  <a:pt x="357466" y="2189233"/>
-                </a:lnTo>
-                <a:lnTo>
-                  <a:pt x="344982" y="2071473"/>
-                </a:lnTo>
-                <a:lnTo>
-                  <a:pt x="332466" y="1952216"/>
-                </a:lnTo>
-                <a:lnTo>
-                  <a:pt x="319121" y="1833776"/>
-                </a:lnTo>
-                <a:lnTo>
-                  <a:pt x="304408" y="1713948"/>
-                </a:lnTo>
-                <a:lnTo>
-                  <a:pt x="288685" y="1592703"/>
-                </a:lnTo>
-                <a:lnTo>
-                  <a:pt x="273050" y="1471451"/>
-                </a:lnTo>
-                <a:lnTo>
-                  <a:pt x="255813" y="1350328"/>
-                </a:lnTo>
-                <a:lnTo>
-                  <a:pt x="237060" y="1227080"/>
-                </a:lnTo>
-                <a:lnTo>
-                  <a:pt x="218488" y="1106065"/>
-                </a:lnTo>
-                <a:lnTo>
-                  <a:pt x="198221" y="982940"/>
-                </a:lnTo>
-                <a:lnTo>
-                  <a:pt x="177152" y="858755"/>
-                </a:lnTo>
-                <a:lnTo>
-                  <a:pt x="155551" y="736861"/>
-                </a:lnTo>
-                <a:lnTo>
-                  <a:pt x="131782" y="613645"/>
-                </a:lnTo>
-                <a:lnTo>
-                  <a:pt x="107123" y="490500"/>
-                </a:lnTo>
-                <a:lnTo>
-                  <a:pt x="82552" y="367348"/>
-                </a:lnTo>
-                <a:lnTo>
-                  <a:pt x="55608" y="244762"/>
-                </a:lnTo>
-                <a:lnTo>
-                  <a:pt x="28130" y="122220"/>
-                </a:lnTo>
-                <a:lnTo>
-                  <a:pt x="0" y="0"/>
-                </a:lnTo>
-                <a:close/>
-              </a:path>
-            </a:pathLst>
-          </a:custGeom>
-          <a:solidFill>
-            <a:schemeClr val="tx1">
-              <a:alpha val="20000"/>
-            </a:schemeClr>
-          </a:solidFill>
-          <a:ln>
-            <a:noFill/>
-          </a:ln>
-        </p:spPr>
-        <p:txBody>
-          <a:bodyPr rtlCol="0" anchor="ctr"/>
-          <a:lstStyle/>
-          <a:p>
-            <a:pPr algn="ctr"/>
-            <a:endParaRPr lang="en-US"/>
-          </a:p>
-        </p:txBody>
-      </p:sp>
-      <p:pic>
-        <p:nvPicPr>
-          <p:cNvPr id="25" name="Picture 24" descr="Computer script on a screen">
-            <a:extLst>
-              <a:ext uri="{FF2B5EF4-FFF2-40B4-BE49-F238E27FC236}">
-                <a16:creationId xmlns:a16="http://schemas.microsoft.com/office/drawing/2014/main" id="{CBB3878F-38A4-9F52-DBEF-6B8A730791D6}"/>
-              </a:ext>
-            </a:extLst>
-          </p:cNvPr>
-          <p:cNvPicPr>
-            <a:picLocks noChangeAspect="1"/>
-          </p:cNvPicPr>
-          <p:nvPr/>
-        </p:nvPicPr>
-        <p:blipFill>
-          <a:blip r:embed="rId4"/>
-          <a:srcRect l="5959" r="45732" b="-2"/>
-          <a:stretch/>
-        </p:blipFill>
-        <p:spPr>
-          <a:xfrm>
-            <a:off x="7229175" y="1"/>
-            <a:ext cx="4963245" cy="6858001"/>
-          </a:xfrm>
-          <a:custGeom>
-            <a:avLst/>
-            <a:gdLst/>
-            <a:ahLst/>
-            <a:cxnLst/>
-            <a:rect l="l" t="t" r="r" b="b"/>
-            <a:pathLst>
-              <a:path w="4963245" h="6858001">
-                <a:moveTo>
-                  <a:pt x="1177" y="0"/>
-                </a:moveTo>
-                <a:lnTo>
-                  <a:pt x="1344715" y="0"/>
-                </a:lnTo>
-                <a:lnTo>
-                  <a:pt x="1344715" y="1"/>
-                </a:lnTo>
-                <a:lnTo>
-                  <a:pt x="4963245" y="1"/>
-                </a:lnTo>
-                <a:lnTo>
-                  <a:pt x="4963244" y="6858001"/>
-                </a:lnTo>
-                <a:lnTo>
-                  <a:pt x="900697" y="6858001"/>
-                </a:lnTo>
-                <a:lnTo>
-                  <a:pt x="900697" y="6858000"/>
-                </a:lnTo>
-                <a:lnTo>
-                  <a:pt x="0" y="6858000"/>
-                </a:lnTo>
-                <a:lnTo>
-                  <a:pt x="5883" y="6817538"/>
-                </a:lnTo>
-                <a:lnTo>
-                  <a:pt x="23196" y="6698894"/>
-                </a:lnTo>
-                <a:lnTo>
-                  <a:pt x="35299" y="6612483"/>
-                </a:lnTo>
-                <a:lnTo>
-                  <a:pt x="48073" y="6509613"/>
-                </a:lnTo>
-                <a:lnTo>
-                  <a:pt x="63369" y="6387541"/>
-                </a:lnTo>
-                <a:lnTo>
-                  <a:pt x="79506" y="6252438"/>
-                </a:lnTo>
-                <a:lnTo>
-                  <a:pt x="96483" y="6100191"/>
-                </a:lnTo>
-                <a:lnTo>
-                  <a:pt x="114469" y="5934227"/>
-                </a:lnTo>
-                <a:lnTo>
-                  <a:pt x="132454" y="5753862"/>
-                </a:lnTo>
-                <a:lnTo>
-                  <a:pt x="150776" y="5561838"/>
-                </a:lnTo>
-                <a:lnTo>
-                  <a:pt x="167753" y="5354726"/>
-                </a:lnTo>
-                <a:lnTo>
-                  <a:pt x="184058" y="5138013"/>
-                </a:lnTo>
-                <a:lnTo>
-                  <a:pt x="198849" y="4908956"/>
-                </a:lnTo>
-                <a:lnTo>
-                  <a:pt x="212969" y="4670298"/>
-                </a:lnTo>
-                <a:lnTo>
-                  <a:pt x="226248" y="4421352"/>
-                </a:lnTo>
-                <a:lnTo>
-                  <a:pt x="230955" y="4293793"/>
-                </a:lnTo>
-                <a:lnTo>
-                  <a:pt x="236165" y="4163492"/>
-                </a:lnTo>
-                <a:lnTo>
-                  <a:pt x="241040" y="4031133"/>
-                </a:lnTo>
-                <a:lnTo>
-                  <a:pt x="244234" y="3898087"/>
-                </a:lnTo>
-                <a:lnTo>
-                  <a:pt x="247091" y="3762299"/>
-                </a:lnTo>
-                <a:lnTo>
-                  <a:pt x="250117" y="3625139"/>
-                </a:lnTo>
-                <a:lnTo>
-                  <a:pt x="252134" y="3485236"/>
-                </a:lnTo>
-                <a:lnTo>
-                  <a:pt x="252134" y="3343961"/>
-                </a:lnTo>
-                <a:lnTo>
-                  <a:pt x="253142" y="3201315"/>
-                </a:lnTo>
-                <a:lnTo>
-                  <a:pt x="252134" y="3057297"/>
-                </a:lnTo>
-                <a:lnTo>
-                  <a:pt x="250117" y="2911221"/>
-                </a:lnTo>
-                <a:lnTo>
-                  <a:pt x="248268" y="2765146"/>
-                </a:lnTo>
-                <a:lnTo>
-                  <a:pt x="244234" y="2617013"/>
-                </a:lnTo>
-                <a:lnTo>
-                  <a:pt x="240032" y="2467509"/>
-                </a:lnTo>
-                <a:lnTo>
-                  <a:pt x="235157" y="2318004"/>
-                </a:lnTo>
-                <a:lnTo>
-                  <a:pt x="228266" y="2167128"/>
-                </a:lnTo>
-                <a:lnTo>
-                  <a:pt x="220029" y="2014881"/>
-                </a:lnTo>
-                <a:lnTo>
-                  <a:pt x="212129" y="1861947"/>
-                </a:lnTo>
-                <a:lnTo>
-                  <a:pt x="202044" y="1709014"/>
-                </a:lnTo>
-                <a:lnTo>
-                  <a:pt x="189941" y="1554023"/>
-                </a:lnTo>
-                <a:lnTo>
-                  <a:pt x="177839" y="1401090"/>
-                </a:lnTo>
-                <a:lnTo>
-                  <a:pt x="163887" y="1245413"/>
-                </a:lnTo>
-                <a:lnTo>
-                  <a:pt x="148591" y="1089051"/>
-                </a:lnTo>
-                <a:lnTo>
-                  <a:pt x="132455" y="934746"/>
-                </a:lnTo>
-                <a:lnTo>
-                  <a:pt x="113629" y="778383"/>
-                </a:lnTo>
-                <a:lnTo>
-                  <a:pt x="93458" y="622707"/>
-                </a:lnTo>
-                <a:lnTo>
-                  <a:pt x="73455" y="466344"/>
-                </a:lnTo>
-                <a:lnTo>
-                  <a:pt x="50091" y="310668"/>
-                </a:lnTo>
-                <a:lnTo>
-                  <a:pt x="26222" y="155677"/>
-                </a:lnTo>
-                <a:close/>
-              </a:path>
-            </a:pathLst>
-          </a:custGeom>
-        </p:spPr>
-      </p:pic>
-    </p:spTree>
-    <p:extLst>
-      <p:ext uri="{BB962C8B-B14F-4D97-AF65-F5344CB8AC3E}">
-        <p14:creationId xmlns:p14="http://schemas.microsoft.com/office/powerpoint/2010/main" val="1181155412"/>
-      </p:ext>
-    </p:extLst>
-  </p:cSld>
-  <p:clrMapOvr>
-    <a:masterClrMapping/>
-  </p:clrMapOvr>
-</p:sld>
-</file>
-
-<file path=ppt/slides/slide8.xml><?xml version="1.0" encoding="utf-8"?>
+<file path=ppt/slides/slide9.xml><?xml version="1.0" encoding="utf-8"?>
 <p:sld xmlns:a="http://schemas.openxmlformats.org/drawingml/2006/main" xmlns:r="http://schemas.openxmlformats.org/officeDocument/2006/relationships" xmlns:p="http://schemas.openxmlformats.org/presentationml/2006/main">
   <p:cSld>
     <p:bg>
@@ -20672,7 +22823,7 @@
           <p:cNvPr id="2" name="Title 1">
             <a:extLst>
               <a:ext uri="{FF2B5EF4-FFF2-40B4-BE49-F238E27FC236}">
-                <a16:creationId xmlns:a16="http://schemas.microsoft.com/office/drawing/2014/main" id="{8BB13D1D-0F4B-8653-6155-3574E9A41624}"/>
+                <a16:creationId xmlns:a16="http://schemas.microsoft.com/office/drawing/2014/main" id="{03663D9C-8424-4124-ABAF-02C4A24A8EBA}"/>
               </a:ext>
             </a:extLst>
           </p:cNvPr>
@@ -20698,21 +22849,18 @@
             <a:pPr algn="ctr"/>
             <a:r>
               <a:rPr lang="en-US" dirty="0"/>
-              <a:t>Conclusion</a:t>
+              <a:t>Challenges Faced</a:t>
             </a:r>
-            <a:br>
-              <a:rPr lang="en-US" dirty="0"/>
-            </a:br>
             <a:endParaRPr lang="en-US"/>
           </a:p>
         </p:txBody>
       </p:sp>
       <p:sp>
         <p:nvSpPr>
-          <p:cNvPr id="7" name="Content Placeholder 2">
+          <p:cNvPr id="3" name="Content Placeholder 2">
             <a:extLst>
               <a:ext uri="{FF2B5EF4-FFF2-40B4-BE49-F238E27FC236}">
-                <a16:creationId xmlns:a16="http://schemas.microsoft.com/office/drawing/2014/main" id="{707CA038-A5B2-E250-03CD-1362293944C9}"/>
+                <a16:creationId xmlns:a16="http://schemas.microsoft.com/office/drawing/2014/main" id="{576A2CE8-41EA-D2AF-B13D-F5177CB55C51}"/>
               </a:ext>
             </a:extLst>
           </p:cNvPr>
@@ -20736,28 +22884,64 @@
           <a:lstStyle/>
           <a:p>
             <a:r>
-              <a:rPr lang="en-US"/>
-              <a:t>The Decentralized Charity Donation Platform provides a secure and transparent fundraising option for charities.</a:t>
+              <a:rPr lang="en-US" b="1"/>
+              <a:t>Network Connection Issues:</a:t>
             </a:r>
-          </a:p>
-          <a:p>
+            <a:endParaRPr lang="en-US"/>
+          </a:p>
+          <a:p>
+            <a:pPr>
+              <a:buFont typeface="Arial" panose="020B0604020202020204" pitchFamily="34" charset="0"/>
+              <a:buChar char="•"/>
+            </a:pPr>
             <a:r>
               <a:rPr lang="en-US"/>
-              <a:t>Using blockchain technology, the platform assures that all transactions are immutable and traceable, giving donors trust in the donation process.</a:t>
+              <a:t>MetaMask users sometimes connected to the wrong network, causing transaction failures.</a:t>
             </a:r>
           </a:p>
           <a:p>
+            <a:r>
+              <a:rPr lang="en-US" b="1"/>
+              <a:t>Gas Fee Problems:</a:t>
+            </a:r>
+            <a:endParaRPr lang="en-US"/>
+          </a:p>
+          <a:p>
+            <a:pPr>
+              <a:buFont typeface="Arial" panose="020B0604020202020204" pitchFamily="34" charset="0"/>
+              <a:buChar char="•"/>
+            </a:pPr>
             <a:r>
               <a:rPr lang="en-US"/>
-              <a:t>This project demonstrates how decentralized applications can improve trust and accountability in the charity sector.</a:t>
+              <a:t>Initial transactions failed due to low gas limits, resulting in incomplete operations.</a:t>
             </a:r>
+          </a:p>
+          <a:p>
+            <a:r>
+              <a:rPr lang="en-US" b="1"/>
+              <a:t>Smart Contract Deployment Errors:</a:t>
+            </a:r>
+            <a:endParaRPr lang="en-US"/>
+          </a:p>
+          <a:p>
+            <a:pPr>
+              <a:buFont typeface="Arial" panose="020B0604020202020204" pitchFamily="34" charset="0"/>
+              <a:buChar char="•"/>
+            </a:pPr>
+            <a:r>
+              <a:rPr lang="en-US"/>
+              <a:t>Deploying the contract on test networks required multiple attempts due to configuration mismatches.</a:t>
+            </a:r>
+          </a:p>
+          <a:p>
+            <a:endParaRPr lang="en-US" dirty="0"/>
           </a:p>
         </p:txBody>
       </p:sp>
     </p:spTree>
     <p:extLst>
       <p:ext uri="{BB962C8B-B14F-4D97-AF65-F5344CB8AC3E}">
-        <p14:creationId xmlns:p14="http://schemas.microsoft.com/office/powerpoint/2010/main" val="3352061146"/>
+        <p14:creationId xmlns:p14="http://schemas.microsoft.com/office/powerpoint/2010/main" val="205127992"/>
       </p:ext>
     </p:extLst>
   </p:cSld>
